--- a/Lecture_5-Dynamical-Systems/Dynamical-Systems.pptx
+++ b/Lecture_5-Dynamical-Systems/Dynamical-Systems.pptx
@@ -5,10 +5,10 @@
     <p:sldMasterId id="2147483648" r:id="rId1"/>
   </p:sldMasterIdLst>
   <p:notesMasterIdLst>
-    <p:notesMasterId r:id="rId20"/>
+    <p:notesMasterId r:id="rId21"/>
   </p:notesMasterIdLst>
   <p:handoutMasterIdLst>
-    <p:handoutMasterId r:id="rId21"/>
+    <p:handoutMasterId r:id="rId22"/>
   </p:handoutMasterIdLst>
   <p:sldIdLst>
     <p:sldId id="256" r:id="rId2"/>
@@ -22,13 +22,14 @@
     <p:sldId id="492" r:id="rId10"/>
     <p:sldId id="493" r:id="rId11"/>
     <p:sldId id="497" r:id="rId12"/>
-    <p:sldId id="489" r:id="rId13"/>
-    <p:sldId id="494" r:id="rId14"/>
-    <p:sldId id="476" r:id="rId15"/>
-    <p:sldId id="462" r:id="rId16"/>
-    <p:sldId id="495" r:id="rId17"/>
-    <p:sldId id="498" r:id="rId18"/>
-    <p:sldId id="496" r:id="rId19"/>
+    <p:sldId id="499" r:id="rId13"/>
+    <p:sldId id="489" r:id="rId14"/>
+    <p:sldId id="494" r:id="rId15"/>
+    <p:sldId id="476" r:id="rId16"/>
+    <p:sldId id="462" r:id="rId17"/>
+    <p:sldId id="495" r:id="rId18"/>
+    <p:sldId id="498" r:id="rId19"/>
+    <p:sldId id="496" r:id="rId20"/>
   </p:sldIdLst>
   <p:sldSz cx="9144000" cy="6858000" type="screen4x3"/>
   <p:notesSz cx="6858000" cy="9144000"/>
@@ -1340,7 +1341,7 @@
               <a:pPr>
                 <a:defRPr/>
               </a:pPr>
-              <a:t>16</a:t>
+              <a:t>17</a:t>
             </a:fld>
             <a:endParaRPr lang="en-US" altLang="x-none"/>
           </a:p>
@@ -1433,7 +1434,7 @@
               <a:pPr>
                 <a:defRPr/>
               </a:pPr>
-              <a:t>17</a:t>
+              <a:t>18</a:t>
             </a:fld>
             <a:endParaRPr lang="en-US" altLang="x-none"/>
           </a:p>
@@ -1530,7 +1531,7 @@
               <a:pPr>
                 <a:defRPr/>
               </a:pPr>
-              <a:t>18</a:t>
+              <a:t>19</a:t>
             </a:fld>
             <a:endParaRPr lang="en-US" altLang="x-none"/>
           </a:p>
@@ -7812,6 +7813,1814 @@
           <p:cNvPr id="2" name="Title 1">
             <a:extLst>
               <a:ext uri="{FF2B5EF4-FFF2-40B4-BE49-F238E27FC236}">
+                <a16:creationId xmlns:a16="http://schemas.microsoft.com/office/drawing/2014/main" id="{C4E14F7C-F55D-1346-9362-CF86B3E41802}"/>
+              </a:ext>
+            </a:extLst>
+          </p:cNvPr>
+          <p:cNvSpPr>
+            <a:spLocks noGrp="1"/>
+          </p:cNvSpPr>
+          <p:nvPr>
+            <p:ph type="title"/>
+          </p:nvPr>
+        </p:nvSpPr>
+        <p:spPr/>
+        <p:txBody>
+          <a:bodyPr/>
+          <a:lstStyle/>
+          <a:p>
+            <a:r>
+              <a:rPr lang="en-US" dirty="0"/>
+              <a:t>How Eigenvectors Determine Trajectory</a:t>
+            </a:r>
+          </a:p>
+        </p:txBody>
+      </p:sp>
+      <p:sp>
+        <p:nvSpPr>
+          <p:cNvPr id="3" name="Slide Number Placeholder 2">
+            <a:extLst>
+              <a:ext uri="{FF2B5EF4-FFF2-40B4-BE49-F238E27FC236}">
+                <a16:creationId xmlns:a16="http://schemas.microsoft.com/office/drawing/2014/main" id="{606B6453-8D6C-CB4D-8ABA-D054172A78DA}"/>
+              </a:ext>
+            </a:extLst>
+          </p:cNvPr>
+          <p:cNvSpPr>
+            <a:spLocks noGrp="1"/>
+          </p:cNvSpPr>
+          <p:nvPr>
+            <p:ph type="sldNum" sz="quarter" idx="11"/>
+          </p:nvPr>
+        </p:nvSpPr>
+        <p:spPr/>
+        <p:txBody>
+          <a:bodyPr/>
+          <a:lstStyle/>
+          <a:p>
+            <a:pPr>
+              <a:defRPr/>
+            </a:pPr>
+            <a:fld id="{2E4304A7-0FB2-4094-BC1E-DB17183AD0C1}" type="slidenum">
+              <a:rPr lang="en-US" altLang="x-none" smtClean="0"/>
+              <a:pPr>
+                <a:defRPr/>
+              </a:pPr>
+              <a:t>12</a:t>
+            </a:fld>
+            <a:endParaRPr lang="en-US" altLang="x-none"/>
+          </a:p>
+        </p:txBody>
+      </p:sp>
+      <p:sp>
+        <p:nvSpPr>
+          <p:cNvPr id="4" name="Oval 3">
+            <a:extLst>
+              <a:ext uri="{FF2B5EF4-FFF2-40B4-BE49-F238E27FC236}">
+                <a16:creationId xmlns:a16="http://schemas.microsoft.com/office/drawing/2014/main" id="{2D1C7067-9AA8-D944-8A73-7157605FABA9}"/>
+              </a:ext>
+            </a:extLst>
+          </p:cNvPr>
+          <p:cNvSpPr/>
+          <p:nvPr/>
+        </p:nvSpPr>
+        <p:spPr>
+          <a:xfrm>
+            <a:off x="736846" y="1287262"/>
+            <a:ext cx="550416" cy="550415"/>
+          </a:xfrm>
+          <a:prstGeom prst="ellipse">
+            <a:avLst/>
+          </a:prstGeom>
+        </p:spPr>
+        <p:style>
+          <a:lnRef idx="1">
+            <a:schemeClr val="accent1"/>
+          </a:lnRef>
+          <a:fillRef idx="3">
+            <a:schemeClr val="accent1"/>
+          </a:fillRef>
+          <a:effectRef idx="2">
+            <a:schemeClr val="accent1"/>
+          </a:effectRef>
+          <a:fontRef idx="minor">
+            <a:schemeClr val="lt1"/>
+          </a:fontRef>
+        </p:style>
+        <p:txBody>
+          <a:bodyPr rtlCol="0" anchor="ctr"/>
+          <a:lstStyle/>
+          <a:p>
+            <a:pPr algn="ctr"/>
+            <a:r>
+              <a:rPr lang="en-US" sz="1600" dirty="0"/>
+              <a:t>S1</a:t>
+            </a:r>
+          </a:p>
+        </p:txBody>
+      </p:sp>
+      <p:sp>
+        <p:nvSpPr>
+          <p:cNvPr id="5" name="Oval 4">
+            <a:extLst>
+              <a:ext uri="{FF2B5EF4-FFF2-40B4-BE49-F238E27FC236}">
+                <a16:creationId xmlns:a16="http://schemas.microsoft.com/office/drawing/2014/main" id="{63506BEE-E39C-014A-AEC5-0A0110A966CF}"/>
+              </a:ext>
+            </a:extLst>
+          </p:cNvPr>
+          <p:cNvSpPr/>
+          <p:nvPr/>
+        </p:nvSpPr>
+        <p:spPr>
+          <a:xfrm>
+            <a:off x="1777013" y="1287261"/>
+            <a:ext cx="550416" cy="550415"/>
+          </a:xfrm>
+          <a:prstGeom prst="ellipse">
+            <a:avLst/>
+          </a:prstGeom>
+        </p:spPr>
+        <p:style>
+          <a:lnRef idx="1">
+            <a:schemeClr val="accent1"/>
+          </a:lnRef>
+          <a:fillRef idx="3">
+            <a:schemeClr val="accent1"/>
+          </a:fillRef>
+          <a:effectRef idx="2">
+            <a:schemeClr val="accent1"/>
+          </a:effectRef>
+          <a:fontRef idx="minor">
+            <a:schemeClr val="lt1"/>
+          </a:fontRef>
+        </p:style>
+        <p:txBody>
+          <a:bodyPr rtlCol="0" anchor="ctr"/>
+          <a:lstStyle/>
+          <a:p>
+            <a:pPr algn="ctr"/>
+            <a:r>
+              <a:rPr lang="en-US" sz="1600" dirty="0"/>
+              <a:t>S2</a:t>
+            </a:r>
+          </a:p>
+        </p:txBody>
+      </p:sp>
+      <p:sp>
+        <p:nvSpPr>
+          <p:cNvPr id="6" name="Oval 5">
+            <a:extLst>
+              <a:ext uri="{FF2B5EF4-FFF2-40B4-BE49-F238E27FC236}">
+                <a16:creationId xmlns:a16="http://schemas.microsoft.com/office/drawing/2014/main" id="{CC085A2C-2B70-5D47-8579-B7DAFEFE9923}"/>
+              </a:ext>
+            </a:extLst>
+          </p:cNvPr>
+          <p:cNvSpPr/>
+          <p:nvPr/>
+        </p:nvSpPr>
+        <p:spPr>
+          <a:xfrm>
+            <a:off x="2799422" y="1287261"/>
+            <a:ext cx="550416" cy="550415"/>
+          </a:xfrm>
+          <a:prstGeom prst="ellipse">
+            <a:avLst/>
+          </a:prstGeom>
+        </p:spPr>
+        <p:style>
+          <a:lnRef idx="1">
+            <a:schemeClr val="accent1"/>
+          </a:lnRef>
+          <a:fillRef idx="3">
+            <a:schemeClr val="accent1"/>
+          </a:fillRef>
+          <a:effectRef idx="2">
+            <a:schemeClr val="accent1"/>
+          </a:effectRef>
+          <a:fontRef idx="minor">
+            <a:schemeClr val="lt1"/>
+          </a:fontRef>
+        </p:style>
+        <p:txBody>
+          <a:bodyPr rtlCol="0" anchor="ctr"/>
+          <a:lstStyle/>
+          <a:p>
+            <a:pPr algn="ctr"/>
+            <a:r>
+              <a:rPr lang="en-US" sz="1600" dirty="0"/>
+              <a:t>S3</a:t>
+            </a:r>
+          </a:p>
+        </p:txBody>
+      </p:sp>
+      <p:cxnSp>
+        <p:nvCxnSpPr>
+          <p:cNvPr id="8" name="Straight Arrow Connector 7">
+            <a:extLst>
+              <a:ext uri="{FF2B5EF4-FFF2-40B4-BE49-F238E27FC236}">
+                <a16:creationId xmlns:a16="http://schemas.microsoft.com/office/drawing/2014/main" id="{6F884278-C627-C94A-9A65-2EF7B97D4891}"/>
+              </a:ext>
+            </a:extLst>
+          </p:cNvPr>
+          <p:cNvCxnSpPr>
+            <a:stCxn id="4" idx="6"/>
+            <a:endCxn id="5" idx="2"/>
+          </p:cNvCxnSpPr>
+          <p:nvPr/>
+        </p:nvCxnSpPr>
+        <p:spPr>
+          <a:xfrm flipV="1">
+            <a:off x="1287262" y="1562469"/>
+            <a:ext cx="489751" cy="1"/>
+          </a:xfrm>
+          <a:prstGeom prst="straightConnector1">
+            <a:avLst/>
+          </a:prstGeom>
+          <a:ln>
+            <a:tailEnd type="triangle"/>
+          </a:ln>
+        </p:spPr>
+        <p:style>
+          <a:lnRef idx="2">
+            <a:schemeClr val="accent1"/>
+          </a:lnRef>
+          <a:fillRef idx="0">
+            <a:schemeClr val="accent1"/>
+          </a:fillRef>
+          <a:effectRef idx="1">
+            <a:schemeClr val="accent1"/>
+          </a:effectRef>
+          <a:fontRef idx="minor">
+            <a:schemeClr val="tx1"/>
+          </a:fontRef>
+        </p:style>
+      </p:cxnSp>
+      <p:cxnSp>
+        <p:nvCxnSpPr>
+          <p:cNvPr id="10" name="Straight Arrow Connector 9">
+            <a:extLst>
+              <a:ext uri="{FF2B5EF4-FFF2-40B4-BE49-F238E27FC236}">
+                <a16:creationId xmlns:a16="http://schemas.microsoft.com/office/drawing/2014/main" id="{1ABE3F0E-2638-844D-B134-FA99FD75D3E4}"/>
+              </a:ext>
+            </a:extLst>
+          </p:cNvPr>
+          <p:cNvCxnSpPr>
+            <a:stCxn id="5" idx="6"/>
+            <a:endCxn id="6" idx="2"/>
+          </p:cNvCxnSpPr>
+          <p:nvPr/>
+        </p:nvCxnSpPr>
+        <p:spPr>
+          <a:xfrm>
+            <a:off x="2327429" y="1562469"/>
+            <a:ext cx="471993" cy="0"/>
+          </a:xfrm>
+          <a:prstGeom prst="straightConnector1">
+            <a:avLst/>
+          </a:prstGeom>
+          <a:ln>
+            <a:tailEnd type="triangle"/>
+          </a:ln>
+        </p:spPr>
+        <p:style>
+          <a:lnRef idx="2">
+            <a:schemeClr val="accent1"/>
+          </a:lnRef>
+          <a:fillRef idx="0">
+            <a:schemeClr val="accent1"/>
+          </a:fillRef>
+          <a:effectRef idx="1">
+            <a:schemeClr val="accent1"/>
+          </a:effectRef>
+          <a:fontRef idx="minor">
+            <a:schemeClr val="tx1"/>
+          </a:fontRef>
+        </p:style>
+      </p:cxnSp>
+      <mc:AlternateContent xmlns:mc="http://schemas.openxmlformats.org/markup-compatibility/2006">
+        <mc:Choice xmlns:a14="http://schemas.microsoft.com/office/drawing/2010/main" Requires="a14">
+          <p:sp>
+            <p:nvSpPr>
+              <p:cNvPr id="11" name="TextBox 10">
+                <a:extLst>
+                  <a:ext uri="{FF2B5EF4-FFF2-40B4-BE49-F238E27FC236}">
+                    <a16:creationId xmlns:a16="http://schemas.microsoft.com/office/drawing/2014/main" id="{AAC48540-A596-3C44-A9A0-DE2D1FEA3DF4}"/>
+                  </a:ext>
+                </a:extLst>
+              </p:cNvPr>
+              <p:cNvSpPr txBox="1"/>
+              <p:nvPr/>
+            </p:nvSpPr>
+            <p:spPr>
+              <a:xfrm>
+                <a:off x="931270" y="1821401"/>
+                <a:ext cx="988669" cy="369332"/>
+              </a:xfrm>
+              <a:prstGeom prst="rect">
+                <a:avLst/>
+              </a:prstGeom>
+              <a:noFill/>
+            </p:spPr>
+            <p:txBody>
+              <a:bodyPr wrap="none" rtlCol="0">
+                <a:spAutoFit/>
+              </a:bodyPr>
+              <a:lstStyle/>
+              <a:p>
+                <a14:m>
+                  <m:oMathPara xmlns:m="http://schemas.openxmlformats.org/officeDocument/2006/math">
+                    <m:oMathParaPr>
+                      <m:jc m:val="centerGroup"/>
+                    </m:oMathParaPr>
+                    <m:oMath xmlns:m="http://schemas.openxmlformats.org/officeDocument/2006/math">
+                      <m:sSub>
+                        <m:sSubPr>
+                          <m:ctrlPr>
+                            <a:rPr lang="en-US" b="0" i="1" smtClean="0">
+                              <a:latin typeface="Cambria Math" panose="02040503050406030204" pitchFamily="18" charset="0"/>
+                            </a:rPr>
+                          </m:ctrlPr>
+                        </m:sSubPr>
+                        <m:e>
+                          <m:sSub>
+                            <m:sSubPr>
+                              <m:ctrlPr>
+                                <a:rPr lang="en-US" b="0" i="1" smtClean="0">
+                                  <a:latin typeface="Cambria Math" panose="02040503050406030204" pitchFamily="18" charset="0"/>
+                                </a:rPr>
+                              </m:ctrlPr>
+                            </m:sSubPr>
+                            <m:e>
+                              <m:r>
+                                <a:rPr lang="en-US" b="0" i="1" smtClean="0">
+                                  <a:latin typeface="Cambria Math" panose="02040503050406030204" pitchFamily="18" charset="0"/>
+                                </a:rPr>
+                                <m:t>𝑣</m:t>
+                              </m:r>
+                            </m:e>
+                            <m:sub>
+                              <m:r>
+                                <a:rPr lang="en-US" b="0" i="1" smtClean="0">
+                                  <a:latin typeface="Cambria Math" panose="02040503050406030204" pitchFamily="18" charset="0"/>
+                                </a:rPr>
+                                <m:t>1</m:t>
+                              </m:r>
+                            </m:sub>
+                          </m:sSub>
+                          <m:r>
+                            <a:rPr lang="en-US" b="0" i="1" smtClean="0">
+                              <a:latin typeface="Cambria Math" panose="02040503050406030204" pitchFamily="18" charset="0"/>
+                            </a:rPr>
+                            <m:t>=</m:t>
+                          </m:r>
+                          <m:r>
+                            <a:rPr lang="en-US" b="0" i="1" smtClean="0">
+                              <a:latin typeface="Cambria Math" panose="02040503050406030204" pitchFamily="18" charset="0"/>
+                            </a:rPr>
+                            <m:t>𝑆</m:t>
+                          </m:r>
+                        </m:e>
+                        <m:sub>
+                          <m:r>
+                            <a:rPr lang="en-US" b="0" i="1" smtClean="0">
+                              <a:latin typeface="Cambria Math" panose="02040503050406030204" pitchFamily="18" charset="0"/>
+                            </a:rPr>
+                            <m:t>1</m:t>
+                          </m:r>
+                        </m:sub>
+                      </m:sSub>
+                    </m:oMath>
+                  </m:oMathPara>
+                </a14:m>
+                <a:endParaRPr lang="en-US" dirty="0"/>
+              </a:p>
+            </p:txBody>
+          </p:sp>
+        </mc:Choice>
+        <mc:Fallback>
+          <p:sp>
+            <p:nvSpPr>
+              <p:cNvPr id="11" name="TextBox 10">
+                <a:extLst>
+                  <a:ext uri="{FF2B5EF4-FFF2-40B4-BE49-F238E27FC236}">
+                    <a16:creationId xmlns:a16="http://schemas.microsoft.com/office/drawing/2014/main" id="{AAC48540-A596-3C44-A9A0-DE2D1FEA3DF4}"/>
+                  </a:ext>
+                </a:extLst>
+              </p:cNvPr>
+              <p:cNvSpPr txBox="1">
+                <a:spLocks noRot="1" noChangeAspect="1" noMove="1" noResize="1" noEditPoints="1" noAdjustHandles="1" noChangeArrowheads="1" noChangeShapeType="1" noTextEdit="1"/>
+              </p:cNvSpPr>
+              <p:nvPr/>
+            </p:nvSpPr>
+            <p:spPr>
+              <a:xfrm>
+                <a:off x="931270" y="1821401"/>
+                <a:ext cx="988669" cy="369332"/>
+              </a:xfrm>
+              <a:prstGeom prst="rect">
+                <a:avLst/>
+              </a:prstGeom>
+              <a:blipFill>
+                <a:blip r:embed="rId2"/>
+                <a:stretch>
+                  <a:fillRect/>
+                </a:stretch>
+              </a:blipFill>
+            </p:spPr>
+            <p:txBody>
+              <a:bodyPr/>
+              <a:lstStyle/>
+              <a:p>
+                <a:r>
+                  <a:rPr lang="en-US">
+                    <a:noFill/>
+                  </a:rPr>
+                  <a:t> </a:t>
+                </a:r>
+              </a:p>
+            </p:txBody>
+          </p:sp>
+        </mc:Fallback>
+      </mc:AlternateContent>
+      <mc:AlternateContent xmlns:mc="http://schemas.openxmlformats.org/markup-compatibility/2006">
+        <mc:Choice xmlns:a14="http://schemas.microsoft.com/office/drawing/2010/main" Requires="a14">
+          <p:sp>
+            <p:nvSpPr>
+              <p:cNvPr id="12" name="TextBox 11">
+                <a:extLst>
+                  <a:ext uri="{FF2B5EF4-FFF2-40B4-BE49-F238E27FC236}">
+                    <a16:creationId xmlns:a16="http://schemas.microsoft.com/office/drawing/2014/main" id="{4FAC0373-141B-B444-B1CA-9E46F208FECE}"/>
+                  </a:ext>
+                </a:extLst>
+              </p:cNvPr>
+              <p:cNvSpPr txBox="1"/>
+              <p:nvPr/>
+            </p:nvSpPr>
+            <p:spPr>
+              <a:xfrm>
+                <a:off x="2032696" y="1836477"/>
+                <a:ext cx="1127553" cy="369332"/>
+              </a:xfrm>
+              <a:prstGeom prst="rect">
+                <a:avLst/>
+              </a:prstGeom>
+              <a:noFill/>
+            </p:spPr>
+            <p:txBody>
+              <a:bodyPr wrap="none" rtlCol="0">
+                <a:spAutoFit/>
+              </a:bodyPr>
+              <a:lstStyle/>
+              <a:p>
+                <a14:m>
+                  <m:oMathPara xmlns:m="http://schemas.openxmlformats.org/officeDocument/2006/math">
+                    <m:oMathParaPr>
+                      <m:jc m:val="centerGroup"/>
+                    </m:oMathParaPr>
+                    <m:oMath xmlns:m="http://schemas.openxmlformats.org/officeDocument/2006/math">
+                      <m:sSub>
+                        <m:sSubPr>
+                          <m:ctrlPr>
+                            <a:rPr lang="en-US" b="0" i="1" smtClean="0">
+                              <a:latin typeface="Cambria Math" panose="02040503050406030204" pitchFamily="18" charset="0"/>
+                            </a:rPr>
+                          </m:ctrlPr>
+                        </m:sSubPr>
+                        <m:e>
+                          <m:sSub>
+                            <m:sSubPr>
+                              <m:ctrlPr>
+                                <a:rPr lang="en-US" b="0" i="1" smtClean="0">
+                                  <a:latin typeface="Cambria Math" panose="02040503050406030204" pitchFamily="18" charset="0"/>
+                                </a:rPr>
+                              </m:ctrlPr>
+                            </m:sSubPr>
+                            <m:e>
+                              <m:r>
+                                <a:rPr lang="en-US" b="0" i="1" smtClean="0">
+                                  <a:latin typeface="Cambria Math" panose="02040503050406030204" pitchFamily="18" charset="0"/>
+                                </a:rPr>
+                                <m:t>𝑣</m:t>
+                              </m:r>
+                            </m:e>
+                            <m:sub>
+                              <m:r>
+                                <a:rPr lang="en-US" b="0" i="1" smtClean="0">
+                                  <a:latin typeface="Cambria Math" panose="02040503050406030204" pitchFamily="18" charset="0"/>
+                                </a:rPr>
+                                <m:t>2</m:t>
+                              </m:r>
+                            </m:sub>
+                          </m:sSub>
+                          <m:r>
+                            <a:rPr lang="en-US" b="0" i="1" smtClean="0">
+                              <a:latin typeface="Cambria Math" panose="02040503050406030204" pitchFamily="18" charset="0"/>
+                            </a:rPr>
+                            <m:t>=2</m:t>
+                          </m:r>
+                          <m:r>
+                            <a:rPr lang="en-US" b="0" i="1" smtClean="0">
+                              <a:latin typeface="Cambria Math" panose="02040503050406030204" pitchFamily="18" charset="0"/>
+                            </a:rPr>
+                            <m:t>𝑆</m:t>
+                          </m:r>
+                        </m:e>
+                        <m:sub>
+                          <m:r>
+                            <a:rPr lang="en-US" b="0" i="1" smtClean="0">
+                              <a:latin typeface="Cambria Math" panose="02040503050406030204" pitchFamily="18" charset="0"/>
+                            </a:rPr>
+                            <m:t>2</m:t>
+                          </m:r>
+                        </m:sub>
+                      </m:sSub>
+                    </m:oMath>
+                  </m:oMathPara>
+                </a14:m>
+                <a:endParaRPr lang="en-US" dirty="0"/>
+              </a:p>
+            </p:txBody>
+          </p:sp>
+        </mc:Choice>
+        <mc:Fallback>
+          <p:sp>
+            <p:nvSpPr>
+              <p:cNvPr id="12" name="TextBox 11">
+                <a:extLst>
+                  <a:ext uri="{FF2B5EF4-FFF2-40B4-BE49-F238E27FC236}">
+                    <a16:creationId xmlns:a16="http://schemas.microsoft.com/office/drawing/2014/main" id="{4FAC0373-141B-B444-B1CA-9E46F208FECE}"/>
+                  </a:ext>
+                </a:extLst>
+              </p:cNvPr>
+              <p:cNvSpPr txBox="1">
+                <a:spLocks noRot="1" noChangeAspect="1" noMove="1" noResize="1" noEditPoints="1" noAdjustHandles="1" noChangeArrowheads="1" noChangeShapeType="1" noTextEdit="1"/>
+              </p:cNvSpPr>
+              <p:nvPr/>
+            </p:nvSpPr>
+            <p:spPr>
+              <a:xfrm>
+                <a:off x="2032696" y="1836477"/>
+                <a:ext cx="1127553" cy="369332"/>
+              </a:xfrm>
+              <a:prstGeom prst="rect">
+                <a:avLst/>
+              </a:prstGeom>
+              <a:blipFill>
+                <a:blip r:embed="rId3"/>
+                <a:stretch>
+                  <a:fillRect b="-3333"/>
+                </a:stretch>
+              </a:blipFill>
+            </p:spPr>
+            <p:txBody>
+              <a:bodyPr/>
+              <a:lstStyle/>
+              <a:p>
+                <a:r>
+                  <a:rPr lang="en-US">
+                    <a:noFill/>
+                  </a:rPr>
+                  <a:t> </a:t>
+                </a:r>
+              </a:p>
+            </p:txBody>
+          </p:sp>
+        </mc:Fallback>
+      </mc:AlternateContent>
+      <mc:AlternateContent xmlns:mc="http://schemas.openxmlformats.org/markup-compatibility/2006">
+        <mc:Choice xmlns:a14="http://schemas.microsoft.com/office/drawing/2010/main" Requires="a14">
+          <p:sp>
+            <p:nvSpPr>
+              <p:cNvPr id="13" name="TextBox 12">
+                <a:extLst>
+                  <a:ext uri="{FF2B5EF4-FFF2-40B4-BE49-F238E27FC236}">
+                    <a16:creationId xmlns:a16="http://schemas.microsoft.com/office/drawing/2014/main" id="{D2F51353-4931-FD4A-AAD5-4B93057F4C3C}"/>
+                  </a:ext>
+                </a:extLst>
+              </p:cNvPr>
+              <p:cNvSpPr txBox="1"/>
+              <p:nvPr/>
+            </p:nvSpPr>
+            <p:spPr>
+              <a:xfrm>
+                <a:off x="3799643" y="996157"/>
+                <a:ext cx="1680717" cy="1508875"/>
+              </a:xfrm>
+              <a:prstGeom prst="rect">
+                <a:avLst/>
+              </a:prstGeom>
+              <a:noFill/>
+            </p:spPr>
+            <p:txBody>
+              <a:bodyPr wrap="none" rtlCol="0">
+                <a:spAutoFit/>
+              </a:bodyPr>
+              <a:lstStyle/>
+              <a:p>
+                <a14:m>
+                  <m:oMathPara xmlns:m="http://schemas.openxmlformats.org/officeDocument/2006/math">
+                    <m:oMathParaPr>
+                      <m:jc m:val="centerGroup"/>
+                    </m:oMathParaPr>
+                    <m:oMath xmlns:m="http://schemas.openxmlformats.org/officeDocument/2006/math">
+                      <m:sSub>
+                        <m:sSubPr>
+                          <m:ctrlPr>
+                            <a:rPr lang="en-US" b="0" i="1" smtClean="0">
+                              <a:latin typeface="Cambria Math" panose="02040503050406030204" pitchFamily="18" charset="0"/>
+                            </a:rPr>
+                          </m:ctrlPr>
+                        </m:sSubPr>
+                        <m:e>
+                          <m:acc>
+                            <m:accPr>
+                              <m:chr m:val="̇"/>
+                              <m:ctrlPr>
+                                <a:rPr lang="en-US" b="0" i="1" smtClean="0">
+                                  <a:latin typeface="Cambria Math" panose="02040503050406030204" pitchFamily="18" charset="0"/>
+                                </a:rPr>
+                              </m:ctrlPr>
+                            </m:accPr>
+                            <m:e>
+                              <m:r>
+                                <a:rPr lang="en-US" b="0" i="1" smtClean="0">
+                                  <a:latin typeface="Cambria Math" panose="02040503050406030204" pitchFamily="18" charset="0"/>
+                                </a:rPr>
+                                <m:t>𝑆</m:t>
+                              </m:r>
+                            </m:e>
+                          </m:acc>
+                        </m:e>
+                        <m:sub>
+                          <m:r>
+                            <a:rPr lang="en-US" b="0" i="1" smtClean="0">
+                              <a:latin typeface="Cambria Math" panose="02040503050406030204" pitchFamily="18" charset="0"/>
+                            </a:rPr>
+                            <m:t>1</m:t>
+                          </m:r>
+                        </m:sub>
+                      </m:sSub>
+                      <m:r>
+                        <a:rPr lang="en-US" b="0" i="1" smtClean="0">
+                          <a:latin typeface="Cambria Math" panose="02040503050406030204" pitchFamily="18" charset="0"/>
+                        </a:rPr>
+                        <m:t>=−</m:t>
+                      </m:r>
+                      <m:sSub>
+                        <m:sSubPr>
+                          <m:ctrlPr>
+                            <a:rPr lang="en-US" b="0" i="1" smtClean="0">
+                              <a:latin typeface="Cambria Math" panose="02040503050406030204" pitchFamily="18" charset="0"/>
+                            </a:rPr>
+                          </m:ctrlPr>
+                        </m:sSubPr>
+                        <m:e>
+                          <m:r>
+                            <a:rPr lang="en-US" b="0" i="1" smtClean="0">
+                              <a:latin typeface="Cambria Math" panose="02040503050406030204" pitchFamily="18" charset="0"/>
+                            </a:rPr>
+                            <m:t>𝑆</m:t>
+                          </m:r>
+                        </m:e>
+                        <m:sub>
+                          <m:r>
+                            <a:rPr lang="en-US" b="0" i="1" smtClean="0">
+                              <a:latin typeface="Cambria Math" panose="02040503050406030204" pitchFamily="18" charset="0"/>
+                            </a:rPr>
+                            <m:t>1</m:t>
+                          </m:r>
+                        </m:sub>
+                      </m:sSub>
+                    </m:oMath>
+                  </m:oMathPara>
+                </a14:m>
+                <a:endParaRPr lang="en-US" b="0" dirty="0"/>
+              </a:p>
+              <a:p>
+                <a14:m>
+                  <m:oMathPara xmlns:m="http://schemas.openxmlformats.org/officeDocument/2006/math">
+                    <m:oMathParaPr>
+                      <m:jc m:val="centerGroup"/>
+                    </m:oMathParaPr>
+                    <m:oMath xmlns:m="http://schemas.openxmlformats.org/officeDocument/2006/math">
+                      <m:sSub>
+                        <m:sSubPr>
+                          <m:ctrlPr>
+                            <a:rPr lang="en-US" i="1">
+                              <a:latin typeface="Cambria Math" panose="02040503050406030204" pitchFamily="18" charset="0"/>
+                            </a:rPr>
+                          </m:ctrlPr>
+                        </m:sSubPr>
+                        <m:e>
+                          <m:acc>
+                            <m:accPr>
+                              <m:chr m:val="̇"/>
+                              <m:ctrlPr>
+                                <a:rPr lang="en-US" i="1">
+                                  <a:latin typeface="Cambria Math" panose="02040503050406030204" pitchFamily="18" charset="0"/>
+                                </a:rPr>
+                              </m:ctrlPr>
+                            </m:accPr>
+                            <m:e>
+                              <m:r>
+                                <a:rPr lang="en-US" i="1">
+                                  <a:latin typeface="Cambria Math" panose="02040503050406030204" pitchFamily="18" charset="0"/>
+                                </a:rPr>
+                                <m:t>𝑆</m:t>
+                              </m:r>
+                            </m:e>
+                          </m:acc>
+                        </m:e>
+                        <m:sub>
+                          <m:r>
+                            <a:rPr lang="en-US" b="0" i="1" smtClean="0">
+                              <a:latin typeface="Cambria Math" panose="02040503050406030204" pitchFamily="18" charset="0"/>
+                            </a:rPr>
+                            <m:t>2</m:t>
+                          </m:r>
+                        </m:sub>
+                      </m:sSub>
+                      <m:r>
+                        <a:rPr lang="en-US" i="1">
+                          <a:latin typeface="Cambria Math" panose="02040503050406030204" pitchFamily="18" charset="0"/>
+                        </a:rPr>
+                        <m:t>=</m:t>
+                      </m:r>
+                      <m:sSub>
+                        <m:sSubPr>
+                          <m:ctrlPr>
+                            <a:rPr lang="en-US" i="1">
+                              <a:latin typeface="Cambria Math" panose="02040503050406030204" pitchFamily="18" charset="0"/>
+                            </a:rPr>
+                          </m:ctrlPr>
+                        </m:sSubPr>
+                        <m:e>
+                          <m:r>
+                            <a:rPr lang="en-US" i="1">
+                              <a:latin typeface="Cambria Math" panose="02040503050406030204" pitchFamily="18" charset="0"/>
+                            </a:rPr>
+                            <m:t>𝑆</m:t>
+                          </m:r>
+                        </m:e>
+                        <m:sub>
+                          <m:r>
+                            <a:rPr lang="en-US" i="1">
+                              <a:latin typeface="Cambria Math" panose="02040503050406030204" pitchFamily="18" charset="0"/>
+                            </a:rPr>
+                            <m:t>1</m:t>
+                          </m:r>
+                        </m:sub>
+                      </m:sSub>
+                      <m:r>
+                        <a:rPr lang="en-US" b="0" i="1" smtClean="0">
+                          <a:latin typeface="Cambria Math" panose="02040503050406030204" pitchFamily="18" charset="0"/>
+                        </a:rPr>
+                        <m:t>−2</m:t>
+                      </m:r>
+                      <m:sSub>
+                        <m:sSubPr>
+                          <m:ctrlPr>
+                            <a:rPr lang="en-US" b="0" i="1" smtClean="0">
+                              <a:latin typeface="Cambria Math" panose="02040503050406030204" pitchFamily="18" charset="0"/>
+                            </a:rPr>
+                          </m:ctrlPr>
+                        </m:sSubPr>
+                        <m:e>
+                          <m:r>
+                            <a:rPr lang="en-US" b="0" i="1" smtClean="0">
+                              <a:latin typeface="Cambria Math" panose="02040503050406030204" pitchFamily="18" charset="0"/>
+                            </a:rPr>
+                            <m:t>𝑆</m:t>
+                          </m:r>
+                        </m:e>
+                        <m:sub>
+                          <m:r>
+                            <a:rPr lang="en-US" b="0" i="1" smtClean="0">
+                              <a:latin typeface="Cambria Math" panose="02040503050406030204" pitchFamily="18" charset="0"/>
+                            </a:rPr>
+                            <m:t>2</m:t>
+                          </m:r>
+                        </m:sub>
+                      </m:sSub>
+                    </m:oMath>
+                  </m:oMathPara>
+                </a14:m>
+                <a:endParaRPr lang="en-US" b="0" dirty="0"/>
+              </a:p>
+              <a:p>
+                <a14:m>
+                  <m:oMathPara xmlns:m="http://schemas.openxmlformats.org/officeDocument/2006/math">
+                    <m:oMathParaPr>
+                      <m:jc m:val="centerGroup"/>
+                    </m:oMathParaPr>
+                    <m:oMath xmlns:m="http://schemas.openxmlformats.org/officeDocument/2006/math">
+                      <m:sSub>
+                        <m:sSubPr>
+                          <m:ctrlPr>
+                            <a:rPr lang="en-US" i="1">
+                              <a:latin typeface="Cambria Math" panose="02040503050406030204" pitchFamily="18" charset="0"/>
+                            </a:rPr>
+                          </m:ctrlPr>
+                        </m:sSubPr>
+                        <m:e>
+                          <m:acc>
+                            <m:accPr>
+                              <m:chr m:val="̇"/>
+                              <m:ctrlPr>
+                                <a:rPr lang="en-US" i="1">
+                                  <a:latin typeface="Cambria Math" panose="02040503050406030204" pitchFamily="18" charset="0"/>
+                                </a:rPr>
+                              </m:ctrlPr>
+                            </m:accPr>
+                            <m:e>
+                              <m:r>
+                                <a:rPr lang="en-US" i="1">
+                                  <a:latin typeface="Cambria Math" panose="02040503050406030204" pitchFamily="18" charset="0"/>
+                                </a:rPr>
+                                <m:t>𝑆</m:t>
+                              </m:r>
+                            </m:e>
+                          </m:acc>
+                        </m:e>
+                        <m:sub>
+                          <m:r>
+                            <a:rPr lang="en-US" b="0" i="1" smtClean="0">
+                              <a:latin typeface="Cambria Math" panose="02040503050406030204" pitchFamily="18" charset="0"/>
+                            </a:rPr>
+                            <m:t>3</m:t>
+                          </m:r>
+                        </m:sub>
+                      </m:sSub>
+                      <m:r>
+                        <a:rPr lang="en-US" i="1">
+                          <a:latin typeface="Cambria Math" panose="02040503050406030204" pitchFamily="18" charset="0"/>
+                        </a:rPr>
+                        <m:t>=</m:t>
+                      </m:r>
+                      <m:r>
+                        <a:rPr lang="en-US" b="0" i="1" smtClean="0">
+                          <a:latin typeface="Cambria Math" panose="02040503050406030204" pitchFamily="18" charset="0"/>
+                        </a:rPr>
+                        <m:t>2</m:t>
+                      </m:r>
+                      <m:sSub>
+                        <m:sSubPr>
+                          <m:ctrlPr>
+                            <a:rPr lang="en-US" b="0" i="1" smtClean="0">
+                              <a:latin typeface="Cambria Math" panose="02040503050406030204" pitchFamily="18" charset="0"/>
+                            </a:rPr>
+                          </m:ctrlPr>
+                        </m:sSubPr>
+                        <m:e>
+                          <m:r>
+                            <a:rPr lang="en-US" b="0" i="1" smtClean="0">
+                              <a:latin typeface="Cambria Math" panose="02040503050406030204" pitchFamily="18" charset="0"/>
+                            </a:rPr>
+                            <m:t>𝑆</m:t>
+                          </m:r>
+                        </m:e>
+                        <m:sub>
+                          <m:r>
+                            <a:rPr lang="en-US" b="0" i="1" smtClean="0">
+                              <a:latin typeface="Cambria Math" panose="02040503050406030204" pitchFamily="18" charset="0"/>
+                            </a:rPr>
+                            <m:t>2</m:t>
+                          </m:r>
+                        </m:sub>
+                      </m:sSub>
+                    </m:oMath>
+                  </m:oMathPara>
+                </a14:m>
+                <a:endParaRPr lang="en-US" dirty="0"/>
+              </a:p>
+              <a:p>
+                <a:endParaRPr lang="en-US" dirty="0"/>
+              </a:p>
+              <a:p>
+                <a14:m>
+                  <m:oMathPara xmlns:m="http://schemas.openxmlformats.org/officeDocument/2006/math">
+                    <m:oMathParaPr>
+                      <m:jc m:val="centerGroup"/>
+                    </m:oMathParaPr>
+                    <m:oMath xmlns:m="http://schemas.openxmlformats.org/officeDocument/2006/math">
+                      <m:sSub>
+                        <m:sSubPr>
+                          <m:ctrlPr>
+                            <a:rPr lang="en-US" i="1">
+                              <a:latin typeface="Cambria Math" panose="02040503050406030204" pitchFamily="18" charset="0"/>
+                            </a:rPr>
+                          </m:ctrlPr>
+                        </m:sSubPr>
+                        <m:e>
+                          <m:r>
+                            <a:rPr lang="en-US" i="1">
+                              <a:latin typeface="Cambria Math" panose="02040503050406030204" pitchFamily="18" charset="0"/>
+                            </a:rPr>
+                            <m:t>𝑆</m:t>
+                          </m:r>
+                        </m:e>
+                        <m:sub>
+                          <m:r>
+                            <a:rPr lang="en-US" i="1">
+                              <a:latin typeface="Cambria Math" panose="02040503050406030204" pitchFamily="18" charset="0"/>
+                            </a:rPr>
+                            <m:t>1</m:t>
+                          </m:r>
+                        </m:sub>
+                      </m:sSub>
+                      <m:d>
+                        <m:dPr>
+                          <m:ctrlPr>
+                            <a:rPr lang="en-US" b="0" i="1" smtClean="0">
+                              <a:latin typeface="Cambria Math" panose="02040503050406030204" pitchFamily="18" charset="0"/>
+                            </a:rPr>
+                          </m:ctrlPr>
+                        </m:dPr>
+                        <m:e>
+                          <m:r>
+                            <a:rPr lang="en-US" b="0" i="1" smtClean="0">
+                              <a:latin typeface="Cambria Math" panose="02040503050406030204" pitchFamily="18" charset="0"/>
+                            </a:rPr>
+                            <m:t>0</m:t>
+                          </m:r>
+                        </m:e>
+                      </m:d>
+                      <m:r>
+                        <a:rPr lang="en-US" b="0" i="1" smtClean="0">
+                          <a:latin typeface="Cambria Math" panose="02040503050406030204" pitchFamily="18" charset="0"/>
+                        </a:rPr>
+                        <m:t>=10</m:t>
+                      </m:r>
+                    </m:oMath>
+                  </m:oMathPara>
+                </a14:m>
+                <a:endParaRPr lang="en-US" dirty="0"/>
+              </a:p>
+            </p:txBody>
+          </p:sp>
+        </mc:Choice>
+        <mc:Fallback>
+          <p:sp>
+            <p:nvSpPr>
+              <p:cNvPr id="13" name="TextBox 12">
+                <a:extLst>
+                  <a:ext uri="{FF2B5EF4-FFF2-40B4-BE49-F238E27FC236}">
+                    <a16:creationId xmlns:a16="http://schemas.microsoft.com/office/drawing/2014/main" id="{D2F51353-4931-FD4A-AAD5-4B93057F4C3C}"/>
+                  </a:ext>
+                </a:extLst>
+              </p:cNvPr>
+              <p:cNvSpPr txBox="1">
+                <a:spLocks noRot="1" noChangeAspect="1" noMove="1" noResize="1" noEditPoints="1" noAdjustHandles="1" noChangeArrowheads="1" noChangeShapeType="1" noTextEdit="1"/>
+              </p:cNvSpPr>
+              <p:nvPr/>
+            </p:nvSpPr>
+            <p:spPr>
+              <a:xfrm>
+                <a:off x="3799643" y="996157"/>
+                <a:ext cx="1680717" cy="1508875"/>
+              </a:xfrm>
+              <a:prstGeom prst="rect">
+                <a:avLst/>
+              </a:prstGeom>
+              <a:blipFill>
+                <a:blip r:embed="rId4"/>
+                <a:stretch>
+                  <a:fillRect/>
+                </a:stretch>
+              </a:blipFill>
+            </p:spPr>
+            <p:txBody>
+              <a:bodyPr/>
+              <a:lstStyle/>
+              <a:p>
+                <a:r>
+                  <a:rPr lang="en-US">
+                    <a:noFill/>
+                  </a:rPr>
+                  <a:t> </a:t>
+                </a:r>
+              </a:p>
+            </p:txBody>
+          </p:sp>
+        </mc:Fallback>
+      </mc:AlternateContent>
+      <p:pic>
+        <p:nvPicPr>
+          <p:cNvPr id="15" name="Picture 14" descr="Chart&#10;&#10;Description automatically generated with medium confidence">
+            <a:extLst>
+              <a:ext uri="{FF2B5EF4-FFF2-40B4-BE49-F238E27FC236}">
+                <a16:creationId xmlns:a16="http://schemas.microsoft.com/office/drawing/2014/main" id="{DB667600-ACA1-1C49-AACF-4525987990BA}"/>
+              </a:ext>
+            </a:extLst>
+          </p:cNvPr>
+          <p:cNvPicPr>
+            <a:picLocks noChangeAspect="1"/>
+          </p:cNvPicPr>
+          <p:nvPr/>
+        </p:nvPicPr>
+        <p:blipFill>
+          <a:blip r:embed="rId5"/>
+          <a:stretch>
+            <a:fillRect/>
+          </a:stretch>
+        </p:blipFill>
+        <p:spPr>
+          <a:xfrm>
+            <a:off x="5776707" y="1004099"/>
+            <a:ext cx="2910093" cy="1956787"/>
+          </a:xfrm>
+          <a:prstGeom prst="rect">
+            <a:avLst/>
+          </a:prstGeom>
+        </p:spPr>
+      </p:pic>
+      <p:pic>
+        <p:nvPicPr>
+          <p:cNvPr id="17" name="Picture 16" descr="Chart, line chart&#10;&#10;Description automatically generated">
+            <a:extLst>
+              <a:ext uri="{FF2B5EF4-FFF2-40B4-BE49-F238E27FC236}">
+                <a16:creationId xmlns:a16="http://schemas.microsoft.com/office/drawing/2014/main" id="{2604A6BC-B5E6-D64F-A8B7-728CFB27F023}"/>
+              </a:ext>
+            </a:extLst>
+          </p:cNvPr>
+          <p:cNvPicPr>
+            <a:picLocks noChangeAspect="1"/>
+          </p:cNvPicPr>
+          <p:nvPr/>
+        </p:nvPicPr>
+        <p:blipFill>
+          <a:blip r:embed="rId6"/>
+          <a:stretch>
+            <a:fillRect/>
+          </a:stretch>
+        </p:blipFill>
+        <p:spPr>
+          <a:xfrm>
+            <a:off x="3396050" y="3870482"/>
+            <a:ext cx="5410115" cy="2081256"/>
+          </a:xfrm>
+          <a:prstGeom prst="rect">
+            <a:avLst/>
+          </a:prstGeom>
+        </p:spPr>
+      </p:pic>
+      <p:pic>
+        <p:nvPicPr>
+          <p:cNvPr id="21" name="Picture 20" descr="Table&#10;&#10;Description automatically generated">
+            <a:extLst>
+              <a:ext uri="{FF2B5EF4-FFF2-40B4-BE49-F238E27FC236}">
+                <a16:creationId xmlns:a16="http://schemas.microsoft.com/office/drawing/2014/main" id="{BAC0C5F0-65C6-E747-9065-153F4F8F5EA1}"/>
+              </a:ext>
+            </a:extLst>
+          </p:cNvPr>
+          <p:cNvPicPr>
+            <a:picLocks noChangeAspect="1"/>
+          </p:cNvPicPr>
+          <p:nvPr/>
+        </p:nvPicPr>
+        <p:blipFill>
+          <a:blip r:embed="rId7"/>
+          <a:stretch>
+            <a:fillRect/>
+          </a:stretch>
+        </p:blipFill>
+        <p:spPr>
+          <a:xfrm>
+            <a:off x="332912" y="4201546"/>
+            <a:ext cx="2755900" cy="1562100"/>
+          </a:xfrm>
+          <a:prstGeom prst="rect">
+            <a:avLst/>
+          </a:prstGeom>
+        </p:spPr>
+      </p:pic>
+      <p:sp>
+        <p:nvSpPr>
+          <p:cNvPr id="22" name="TextBox 21">
+            <a:extLst>
+              <a:ext uri="{FF2B5EF4-FFF2-40B4-BE49-F238E27FC236}">
+                <a16:creationId xmlns:a16="http://schemas.microsoft.com/office/drawing/2014/main" id="{F0C6FF66-8942-364D-8775-4C19CE0D9CF7}"/>
+              </a:ext>
+            </a:extLst>
+          </p:cNvPr>
+          <p:cNvSpPr txBox="1"/>
+          <p:nvPr/>
+        </p:nvSpPr>
+        <p:spPr>
+          <a:xfrm>
+            <a:off x="248570" y="3889948"/>
+            <a:ext cx="3034805" cy="338554"/>
+          </a:xfrm>
+          <a:prstGeom prst="rect">
+            <a:avLst/>
+          </a:prstGeom>
+          <a:noFill/>
+        </p:spPr>
+        <p:txBody>
+          <a:bodyPr wrap="none" rtlCol="0">
+            <a:spAutoFit/>
+          </a:bodyPr>
+          <a:lstStyle/>
+          <a:p>
+            <a:r>
+              <a:rPr lang="en-US" sz="1600" b="1" dirty="0"/>
+              <a:t>Eigenvectors for eigenvalues</a:t>
+            </a:r>
+          </a:p>
+        </p:txBody>
+      </p:sp>
+      <p:sp>
+        <p:nvSpPr>
+          <p:cNvPr id="23" name="TextBox 22">
+            <a:extLst>
+              <a:ext uri="{FF2B5EF4-FFF2-40B4-BE49-F238E27FC236}">
+                <a16:creationId xmlns:a16="http://schemas.microsoft.com/office/drawing/2014/main" id="{E7B59058-67E4-E94A-B27C-AF1E7ECB40B1}"/>
+              </a:ext>
+            </a:extLst>
+          </p:cNvPr>
+          <p:cNvSpPr txBox="1"/>
+          <p:nvPr/>
+        </p:nvSpPr>
+        <p:spPr>
+          <a:xfrm>
+            <a:off x="3799643" y="6027939"/>
+            <a:ext cx="3555782" cy="307777"/>
+          </a:xfrm>
+          <a:prstGeom prst="rect">
+            <a:avLst/>
+          </a:prstGeom>
+          <a:noFill/>
+        </p:spPr>
+        <p:txBody>
+          <a:bodyPr wrap="none" rtlCol="0">
+            <a:spAutoFit/>
+          </a:bodyPr>
+          <a:lstStyle/>
+          <a:p>
+            <a:r>
+              <a:rPr lang="en-US" sz="1400" dirty="0"/>
+              <a:t>(Lines are “fuzzified” so can see overlaps.)</a:t>
+            </a:r>
+          </a:p>
+        </p:txBody>
+      </p:sp>
+      <mc:AlternateContent xmlns:mc="http://schemas.openxmlformats.org/markup-compatibility/2006">
+        <mc:Choice xmlns:a14="http://schemas.microsoft.com/office/drawing/2010/main" Requires="a14">
+          <p:sp>
+            <p:nvSpPr>
+              <p:cNvPr id="24" name="Rectangle 23">
+                <a:extLst>
+                  <a:ext uri="{FF2B5EF4-FFF2-40B4-BE49-F238E27FC236}">
+                    <a16:creationId xmlns:a16="http://schemas.microsoft.com/office/drawing/2014/main" id="{251EDAF9-3B1F-E84A-82ED-A1A8C853197E}"/>
+                  </a:ext>
+                </a:extLst>
+              </p:cNvPr>
+              <p:cNvSpPr/>
+              <p:nvPr/>
+            </p:nvSpPr>
+            <p:spPr>
+              <a:xfrm>
+                <a:off x="564554" y="2879432"/>
+                <a:ext cx="2292615" cy="764505"/>
+              </a:xfrm>
+              <a:prstGeom prst="rect">
+                <a:avLst/>
+              </a:prstGeom>
+            </p:spPr>
+            <p:txBody>
+              <a:bodyPr wrap="none">
+                <a:spAutoFit/>
+              </a:bodyPr>
+              <a:lstStyle/>
+              <a:p>
+                <a14:m>
+                  <m:oMathPara xmlns:m="http://schemas.openxmlformats.org/officeDocument/2006/math">
+                    <m:oMathParaPr>
+                      <m:jc m:val="centerGroup"/>
+                    </m:oMathParaPr>
+                    <m:oMath xmlns:m="http://schemas.openxmlformats.org/officeDocument/2006/math">
+                      <m:r>
+                        <a:rPr lang="en-US" b="1" i="1">
+                          <a:latin typeface="Cambria Math" panose="02040503050406030204" pitchFamily="18" charset="0"/>
+                        </a:rPr>
+                        <m:t>𝒙</m:t>
+                      </m:r>
+                      <m:d>
+                        <m:dPr>
+                          <m:ctrlPr>
+                            <a:rPr lang="en-US" i="1">
+                              <a:latin typeface="Cambria Math" panose="02040503050406030204" pitchFamily="18" charset="0"/>
+                            </a:rPr>
+                          </m:ctrlPr>
+                        </m:dPr>
+                        <m:e>
+                          <m:r>
+                            <a:rPr lang="en-US" i="1">
+                              <a:latin typeface="Cambria Math" panose="02040503050406030204" pitchFamily="18" charset="0"/>
+                            </a:rPr>
+                            <m:t>𝑡</m:t>
+                          </m:r>
+                        </m:e>
+                      </m:d>
+                      <m:r>
+                        <a:rPr lang="en-US" i="1">
+                          <a:latin typeface="Cambria Math" panose="02040503050406030204" pitchFamily="18" charset="0"/>
+                        </a:rPr>
+                        <m:t>=</m:t>
+                      </m:r>
+                      <m:nary>
+                        <m:naryPr>
+                          <m:chr m:val="∑"/>
+                          <m:supHide m:val="on"/>
+                          <m:ctrlPr>
+                            <a:rPr lang="en-US" i="1">
+                              <a:latin typeface="Cambria Math" panose="02040503050406030204" pitchFamily="18" charset="0"/>
+                            </a:rPr>
+                          </m:ctrlPr>
+                        </m:naryPr>
+                        <m:sub>
+                          <m:r>
+                            <a:rPr lang="en-US" i="1">
+                              <a:latin typeface="Cambria Math" panose="02040503050406030204" pitchFamily="18" charset="0"/>
+                            </a:rPr>
+                            <m:t>𝑛</m:t>
+                          </m:r>
+                          <m:r>
+                            <a:rPr lang="en-US" i="1">
+                              <a:latin typeface="Cambria Math" panose="02040503050406030204" pitchFamily="18" charset="0"/>
+                            </a:rPr>
+                            <m:t>=1 </m:t>
+                          </m:r>
+                        </m:sub>
+                        <m:sup/>
+                        <m:e>
+                          <m:sSub>
+                            <m:sSubPr>
+                              <m:ctrlPr>
+                                <a:rPr lang="en-US" i="1">
+                                  <a:latin typeface="Cambria Math" panose="02040503050406030204" pitchFamily="18" charset="0"/>
+                                </a:rPr>
+                              </m:ctrlPr>
+                            </m:sSubPr>
+                            <m:e>
+                              <m:r>
+                                <a:rPr lang="en-US" i="1">
+                                  <a:latin typeface="Cambria Math" panose="02040503050406030204" pitchFamily="18" charset="0"/>
+                                </a:rPr>
+                                <m:t>𝑐</m:t>
+                              </m:r>
+                            </m:e>
+                            <m:sub>
+                              <m:r>
+                                <a:rPr lang="en-US" i="1">
+                                  <a:latin typeface="Cambria Math" panose="02040503050406030204" pitchFamily="18" charset="0"/>
+                                </a:rPr>
+                                <m:t>𝑛</m:t>
+                              </m:r>
+                            </m:sub>
+                          </m:sSub>
+                          <m:sSub>
+                            <m:sSubPr>
+                              <m:ctrlPr>
+                                <a:rPr lang="en-US" i="1">
+                                  <a:latin typeface="Cambria Math" panose="02040503050406030204" pitchFamily="18" charset="0"/>
+                                </a:rPr>
+                              </m:ctrlPr>
+                            </m:sSubPr>
+                            <m:e>
+                              <m:r>
+                                <a:rPr lang="en-US" b="1" i="1">
+                                  <a:latin typeface="Cambria Math" panose="02040503050406030204" pitchFamily="18" charset="0"/>
+                                </a:rPr>
+                                <m:t>𝒖</m:t>
+                              </m:r>
+                            </m:e>
+                            <m:sub>
+                              <m:r>
+                                <a:rPr lang="en-US" i="1">
+                                  <a:latin typeface="Cambria Math" panose="02040503050406030204" pitchFamily="18" charset="0"/>
+                                </a:rPr>
+                                <m:t>𝑛</m:t>
+                              </m:r>
+                            </m:sub>
+                          </m:sSub>
+                          <m:sSup>
+                            <m:sSupPr>
+                              <m:ctrlPr>
+                                <a:rPr lang="en-US" i="1">
+                                  <a:latin typeface="Cambria Math" panose="02040503050406030204" pitchFamily="18" charset="0"/>
+                                </a:rPr>
+                              </m:ctrlPr>
+                            </m:sSupPr>
+                            <m:e>
+                              <m:r>
+                                <a:rPr lang="en-US" i="1">
+                                  <a:latin typeface="Cambria Math" panose="02040503050406030204" pitchFamily="18" charset="0"/>
+                                </a:rPr>
+                                <m:t>𝑒</m:t>
+                              </m:r>
+                            </m:e>
+                            <m:sup>
+                              <m:sSub>
+                                <m:sSubPr>
+                                  <m:ctrlPr>
+                                    <a:rPr lang="en-US" i="1">
+                                      <a:latin typeface="Cambria Math" panose="02040503050406030204" pitchFamily="18" charset="0"/>
+                                    </a:rPr>
+                                  </m:ctrlPr>
+                                </m:sSubPr>
+                                <m:e>
+                                  <m:r>
+                                    <a:rPr lang="en-US" i="1">
+                                      <a:latin typeface="Cambria Math" panose="02040503050406030204" pitchFamily="18" charset="0"/>
+                                    </a:rPr>
+                                    <m:t>𝜆</m:t>
+                                  </m:r>
+                                </m:e>
+                                <m:sub>
+                                  <m:r>
+                                    <a:rPr lang="en-US" i="1">
+                                      <a:latin typeface="Cambria Math" panose="02040503050406030204" pitchFamily="18" charset="0"/>
+                                    </a:rPr>
+                                    <m:t>𝑛</m:t>
+                                  </m:r>
+                                </m:sub>
+                              </m:sSub>
+                              <m:r>
+                                <a:rPr lang="en-US" i="1">
+                                  <a:latin typeface="Cambria Math" panose="02040503050406030204" pitchFamily="18" charset="0"/>
+                                </a:rPr>
+                                <m:t>𝑡</m:t>
+                              </m:r>
+                            </m:sup>
+                          </m:sSup>
+                        </m:e>
+                      </m:nary>
+                    </m:oMath>
+                  </m:oMathPara>
+                </a14:m>
+                <a:endParaRPr lang="en-US" dirty="0"/>
+              </a:p>
+            </p:txBody>
+          </p:sp>
+        </mc:Choice>
+        <mc:Fallback>
+          <p:sp>
+            <p:nvSpPr>
+              <p:cNvPr id="24" name="Rectangle 23">
+                <a:extLst>
+                  <a:ext uri="{FF2B5EF4-FFF2-40B4-BE49-F238E27FC236}">
+                    <a16:creationId xmlns:a16="http://schemas.microsoft.com/office/drawing/2014/main" id="{251EDAF9-3B1F-E84A-82ED-A1A8C853197E}"/>
+                  </a:ext>
+                </a:extLst>
+              </p:cNvPr>
+              <p:cNvSpPr>
+                <a:spLocks noRot="1" noChangeAspect="1" noMove="1" noResize="1" noEditPoints="1" noAdjustHandles="1" noChangeArrowheads="1" noChangeShapeType="1" noTextEdit="1"/>
+              </p:cNvSpPr>
+              <p:nvPr/>
+            </p:nvSpPr>
+            <p:spPr>
+              <a:xfrm>
+                <a:off x="564554" y="2879432"/>
+                <a:ext cx="2292615" cy="764505"/>
+              </a:xfrm>
+              <a:prstGeom prst="rect">
+                <a:avLst/>
+              </a:prstGeom>
+              <a:blipFill>
+                <a:blip r:embed="rId8"/>
+                <a:stretch>
+                  <a:fillRect t="-119355" b="-166129"/>
+                </a:stretch>
+              </a:blipFill>
+            </p:spPr>
+            <p:txBody>
+              <a:bodyPr/>
+              <a:lstStyle/>
+              <a:p>
+                <a:r>
+                  <a:rPr lang="en-US">
+                    <a:noFill/>
+                  </a:rPr>
+                  <a:t> </a:t>
+                </a:r>
+              </a:p>
+            </p:txBody>
+          </p:sp>
+        </mc:Fallback>
+      </mc:AlternateContent>
+      <p:sp>
+        <p:nvSpPr>
+          <p:cNvPr id="25" name="TextBox 24">
+            <a:extLst>
+              <a:ext uri="{FF2B5EF4-FFF2-40B4-BE49-F238E27FC236}">
+                <a16:creationId xmlns:a16="http://schemas.microsoft.com/office/drawing/2014/main" id="{67276F98-2670-6043-B28F-1A17FF681CD5}"/>
+              </a:ext>
+            </a:extLst>
+          </p:cNvPr>
+          <p:cNvSpPr txBox="1"/>
+          <p:nvPr/>
+        </p:nvSpPr>
+        <p:spPr>
+          <a:xfrm>
+            <a:off x="6951216" y="2849732"/>
+            <a:ext cx="498855" cy="261610"/>
+          </a:xfrm>
+          <a:prstGeom prst="rect">
+            <a:avLst/>
+          </a:prstGeom>
+          <a:noFill/>
+        </p:spPr>
+        <p:txBody>
+          <a:bodyPr wrap="none" rtlCol="0">
+            <a:spAutoFit/>
+          </a:bodyPr>
+          <a:lstStyle/>
+          <a:p>
+            <a:r>
+              <a:rPr lang="en-US" sz="1050" dirty="0"/>
+              <a:t>Time</a:t>
+            </a:r>
+          </a:p>
+        </p:txBody>
+      </p:sp>
+    </p:spTree>
+    <p:extLst>
+      <p:ext uri="{BB962C8B-B14F-4D97-AF65-F5344CB8AC3E}">
+        <p14:creationId xmlns:p14="http://schemas.microsoft.com/office/powerpoint/2010/main" val="3452243339"/>
+      </p:ext>
+    </p:extLst>
+  </p:cSld>
+  <p:clrMapOvr>
+    <a:masterClrMapping/>
+  </p:clrMapOvr>
+  <p:timing>
+    <p:tnLst>
+      <p:par>
+        <p:cTn id="1" dur="indefinite" restart="never" nodeType="tmRoot">
+          <p:childTnLst>
+            <p:seq concurrent="1" nextAc="seek">
+              <p:cTn id="2" dur="indefinite" nodeType="mainSeq">
+                <p:childTnLst>
+                  <p:par>
+                    <p:cTn id="3" fill="hold">
+                      <p:stCondLst>
+                        <p:cond delay="indefinite"/>
+                      </p:stCondLst>
+                      <p:childTnLst>
+                        <p:par>
+                          <p:cTn id="4" fill="hold">
+                            <p:stCondLst>
+                              <p:cond delay="0"/>
+                            </p:stCondLst>
+                            <p:childTnLst>
+                              <p:par>
+                                <p:cTn id="5" presetID="1" presetClass="entr" presetSubtype="0" fill="hold" grpId="0" nodeType="clickEffect">
+                                  <p:stCondLst>
+                                    <p:cond delay="0"/>
+                                  </p:stCondLst>
+                                  <p:childTnLst>
+                                    <p:set>
+                                      <p:cBhvr>
+                                        <p:cTn id="6" dur="1" fill="hold">
+                                          <p:stCondLst>
+                                            <p:cond delay="0"/>
+                                          </p:stCondLst>
+                                        </p:cTn>
+                                        <p:tgtEl>
+                                          <p:spTgt spid="13"/>
+                                        </p:tgtEl>
+                                        <p:attrNameLst>
+                                          <p:attrName>style.visibility</p:attrName>
+                                        </p:attrNameLst>
+                                      </p:cBhvr>
+                                      <p:to>
+                                        <p:strVal val="visible"/>
+                                      </p:to>
+                                    </p:set>
+                                  </p:childTnLst>
+                                </p:cTn>
+                              </p:par>
+                            </p:childTnLst>
+                          </p:cTn>
+                        </p:par>
+                      </p:childTnLst>
+                    </p:cTn>
+                  </p:par>
+                  <p:par>
+                    <p:cTn id="7" fill="hold">
+                      <p:stCondLst>
+                        <p:cond delay="indefinite"/>
+                      </p:stCondLst>
+                      <p:childTnLst>
+                        <p:par>
+                          <p:cTn id="8" fill="hold">
+                            <p:stCondLst>
+                              <p:cond delay="0"/>
+                            </p:stCondLst>
+                            <p:childTnLst>
+                              <p:par>
+                                <p:cTn id="9" presetID="1" presetClass="entr" presetSubtype="0" fill="hold" nodeType="clickEffect">
+                                  <p:stCondLst>
+                                    <p:cond delay="0"/>
+                                  </p:stCondLst>
+                                  <p:childTnLst>
+                                    <p:set>
+                                      <p:cBhvr>
+                                        <p:cTn id="10" dur="1" fill="hold">
+                                          <p:stCondLst>
+                                            <p:cond delay="0"/>
+                                          </p:stCondLst>
+                                        </p:cTn>
+                                        <p:tgtEl>
+                                          <p:spTgt spid="15"/>
+                                        </p:tgtEl>
+                                        <p:attrNameLst>
+                                          <p:attrName>style.visibility</p:attrName>
+                                        </p:attrNameLst>
+                                      </p:cBhvr>
+                                      <p:to>
+                                        <p:strVal val="visible"/>
+                                      </p:to>
+                                    </p:set>
+                                  </p:childTnLst>
+                                </p:cTn>
+                              </p:par>
+                              <p:par>
+                                <p:cTn id="11" presetID="1" presetClass="entr" presetSubtype="0" fill="hold" grpId="0" nodeType="withEffect">
+                                  <p:stCondLst>
+                                    <p:cond delay="0"/>
+                                  </p:stCondLst>
+                                  <p:childTnLst>
+                                    <p:set>
+                                      <p:cBhvr>
+                                        <p:cTn id="12" dur="1" fill="hold">
+                                          <p:stCondLst>
+                                            <p:cond delay="0"/>
+                                          </p:stCondLst>
+                                        </p:cTn>
+                                        <p:tgtEl>
+                                          <p:spTgt spid="25"/>
+                                        </p:tgtEl>
+                                        <p:attrNameLst>
+                                          <p:attrName>style.visibility</p:attrName>
+                                        </p:attrNameLst>
+                                      </p:cBhvr>
+                                      <p:to>
+                                        <p:strVal val="visible"/>
+                                      </p:to>
+                                    </p:set>
+                                  </p:childTnLst>
+                                </p:cTn>
+                              </p:par>
+                            </p:childTnLst>
+                          </p:cTn>
+                        </p:par>
+                      </p:childTnLst>
+                    </p:cTn>
+                  </p:par>
+                  <p:par>
+                    <p:cTn id="13" fill="hold">
+                      <p:stCondLst>
+                        <p:cond delay="indefinite"/>
+                      </p:stCondLst>
+                      <p:childTnLst>
+                        <p:par>
+                          <p:cTn id="14" fill="hold">
+                            <p:stCondLst>
+                              <p:cond delay="0"/>
+                            </p:stCondLst>
+                            <p:childTnLst>
+                              <p:par>
+                                <p:cTn id="15" presetID="1" presetClass="entr" presetSubtype="0" fill="hold" grpId="0" nodeType="clickEffect">
+                                  <p:stCondLst>
+                                    <p:cond delay="0"/>
+                                  </p:stCondLst>
+                                  <p:childTnLst>
+                                    <p:set>
+                                      <p:cBhvr>
+                                        <p:cTn id="16" dur="1" fill="hold">
+                                          <p:stCondLst>
+                                            <p:cond delay="0"/>
+                                          </p:stCondLst>
+                                        </p:cTn>
+                                        <p:tgtEl>
+                                          <p:spTgt spid="24"/>
+                                        </p:tgtEl>
+                                        <p:attrNameLst>
+                                          <p:attrName>style.visibility</p:attrName>
+                                        </p:attrNameLst>
+                                      </p:cBhvr>
+                                      <p:to>
+                                        <p:strVal val="visible"/>
+                                      </p:to>
+                                    </p:set>
+                                  </p:childTnLst>
+                                </p:cTn>
+                              </p:par>
+                            </p:childTnLst>
+                          </p:cTn>
+                        </p:par>
+                      </p:childTnLst>
+                    </p:cTn>
+                  </p:par>
+                  <p:par>
+                    <p:cTn id="17" fill="hold">
+                      <p:stCondLst>
+                        <p:cond delay="indefinite"/>
+                      </p:stCondLst>
+                      <p:childTnLst>
+                        <p:par>
+                          <p:cTn id="18" fill="hold">
+                            <p:stCondLst>
+                              <p:cond delay="0"/>
+                            </p:stCondLst>
+                            <p:childTnLst>
+                              <p:par>
+                                <p:cTn id="19" presetID="1" presetClass="entr" presetSubtype="0" fill="hold" nodeType="clickEffect">
+                                  <p:stCondLst>
+                                    <p:cond delay="0"/>
+                                  </p:stCondLst>
+                                  <p:childTnLst>
+                                    <p:set>
+                                      <p:cBhvr>
+                                        <p:cTn id="20" dur="1" fill="hold">
+                                          <p:stCondLst>
+                                            <p:cond delay="0"/>
+                                          </p:stCondLst>
+                                        </p:cTn>
+                                        <p:tgtEl>
+                                          <p:spTgt spid="21"/>
+                                        </p:tgtEl>
+                                        <p:attrNameLst>
+                                          <p:attrName>style.visibility</p:attrName>
+                                        </p:attrNameLst>
+                                      </p:cBhvr>
+                                      <p:to>
+                                        <p:strVal val="visible"/>
+                                      </p:to>
+                                    </p:set>
+                                  </p:childTnLst>
+                                </p:cTn>
+                              </p:par>
+                              <p:par>
+                                <p:cTn id="21" presetID="1" presetClass="entr" presetSubtype="0" fill="hold" grpId="0" nodeType="withEffect">
+                                  <p:stCondLst>
+                                    <p:cond delay="0"/>
+                                  </p:stCondLst>
+                                  <p:childTnLst>
+                                    <p:set>
+                                      <p:cBhvr>
+                                        <p:cTn id="22" dur="1" fill="hold">
+                                          <p:stCondLst>
+                                            <p:cond delay="0"/>
+                                          </p:stCondLst>
+                                        </p:cTn>
+                                        <p:tgtEl>
+                                          <p:spTgt spid="22"/>
+                                        </p:tgtEl>
+                                        <p:attrNameLst>
+                                          <p:attrName>style.visibility</p:attrName>
+                                        </p:attrNameLst>
+                                      </p:cBhvr>
+                                      <p:to>
+                                        <p:strVal val="visible"/>
+                                      </p:to>
+                                    </p:set>
+                                  </p:childTnLst>
+                                </p:cTn>
+                              </p:par>
+                            </p:childTnLst>
+                          </p:cTn>
+                        </p:par>
+                      </p:childTnLst>
+                    </p:cTn>
+                  </p:par>
+                  <p:par>
+                    <p:cTn id="23" fill="hold">
+                      <p:stCondLst>
+                        <p:cond delay="indefinite"/>
+                      </p:stCondLst>
+                      <p:childTnLst>
+                        <p:par>
+                          <p:cTn id="24" fill="hold">
+                            <p:stCondLst>
+                              <p:cond delay="0"/>
+                            </p:stCondLst>
+                            <p:childTnLst>
+                              <p:par>
+                                <p:cTn id="25" presetID="1" presetClass="entr" presetSubtype="0" fill="hold" nodeType="clickEffect">
+                                  <p:stCondLst>
+                                    <p:cond delay="0"/>
+                                  </p:stCondLst>
+                                  <p:childTnLst>
+                                    <p:set>
+                                      <p:cBhvr>
+                                        <p:cTn id="26" dur="1" fill="hold">
+                                          <p:stCondLst>
+                                            <p:cond delay="0"/>
+                                          </p:stCondLst>
+                                        </p:cTn>
+                                        <p:tgtEl>
+                                          <p:spTgt spid="17"/>
+                                        </p:tgtEl>
+                                        <p:attrNameLst>
+                                          <p:attrName>style.visibility</p:attrName>
+                                        </p:attrNameLst>
+                                      </p:cBhvr>
+                                      <p:to>
+                                        <p:strVal val="visible"/>
+                                      </p:to>
+                                    </p:set>
+                                  </p:childTnLst>
+                                </p:cTn>
+                              </p:par>
+                              <p:par>
+                                <p:cTn id="27" presetID="1" presetClass="entr" presetSubtype="0" fill="hold" grpId="0" nodeType="withEffect">
+                                  <p:stCondLst>
+                                    <p:cond delay="0"/>
+                                  </p:stCondLst>
+                                  <p:childTnLst>
+                                    <p:set>
+                                      <p:cBhvr>
+                                        <p:cTn id="28" dur="1" fill="hold">
+                                          <p:stCondLst>
+                                            <p:cond delay="0"/>
+                                          </p:stCondLst>
+                                        </p:cTn>
+                                        <p:tgtEl>
+                                          <p:spTgt spid="23"/>
+                                        </p:tgtEl>
+                                        <p:attrNameLst>
+                                          <p:attrName>style.visibility</p:attrName>
+                                        </p:attrNameLst>
+                                      </p:cBhvr>
+                                      <p:to>
+                                        <p:strVal val="visible"/>
+                                      </p:to>
+                                    </p:set>
+                                  </p:childTnLst>
+                                </p:cTn>
+                              </p:par>
+                            </p:childTnLst>
+                          </p:cTn>
+                        </p:par>
+                      </p:childTnLst>
+                    </p:cTn>
+                  </p:par>
+                </p:childTnLst>
+              </p:cTn>
+              <p:prevCondLst>
+                <p:cond evt="onPrev" delay="0">
+                  <p:tgtEl>
+                    <p:sldTgt/>
+                  </p:tgtEl>
+                </p:cond>
+              </p:prevCondLst>
+              <p:nextCondLst>
+                <p:cond evt="onNext" delay="0">
+                  <p:tgtEl>
+                    <p:sldTgt/>
+                  </p:tgtEl>
+                </p:cond>
+              </p:nextCondLst>
+            </p:seq>
+          </p:childTnLst>
+        </p:cTn>
+      </p:par>
+    </p:tnLst>
+    <p:bldLst>
+      <p:bldP spid="13" grpId="0"/>
+      <p:bldP spid="22" grpId="0"/>
+      <p:bldP spid="23" grpId="0"/>
+      <p:bldP spid="24" grpId="0"/>
+      <p:bldP spid="25" grpId="0"/>
+    </p:bldLst>
+  </p:timing>
+</p:sld>
+</file>
+
+<file path=ppt/slides/slide13.xml><?xml version="1.0" encoding="utf-8"?>
+<p:sld xmlns:a="http://schemas.openxmlformats.org/drawingml/2006/main" xmlns:r="http://schemas.openxmlformats.org/officeDocument/2006/relationships" xmlns:p="http://schemas.openxmlformats.org/presentationml/2006/main">
+  <p:cSld>
+    <p:spTree>
+      <p:nvGrpSpPr>
+        <p:cNvPr id="1" name=""/>
+        <p:cNvGrpSpPr/>
+        <p:nvPr/>
+      </p:nvGrpSpPr>
+      <p:grpSpPr>
+        <a:xfrm>
+          <a:off x="0" y="0"/>
+          <a:ext cx="0" cy="0"/>
+          <a:chOff x="0" y="0"/>
+          <a:chExt cx="0" cy="0"/>
+        </a:xfrm>
+      </p:grpSpPr>
+      <p:sp>
+        <p:nvSpPr>
+          <p:cNvPr id="2" name="Title 1">
+            <a:extLst>
+              <a:ext uri="{FF2B5EF4-FFF2-40B4-BE49-F238E27FC236}">
                 <a16:creationId xmlns:a16="http://schemas.microsoft.com/office/drawing/2014/main" id="{3905BCF8-F96F-A944-9B00-A3A945BBFF3D}"/>
               </a:ext>
             </a:extLst>
@@ -8829,7 +10638,7 @@
               <a:pPr>
                 <a:defRPr/>
               </a:pPr>
-              <a:t>12</a:t>
+              <a:t>13</a:t>
             </a:fld>
             <a:endParaRPr lang="en-US" altLang="x-none"/>
           </a:p>
@@ -9406,7 +11215,7 @@
 </p:sld>
 </file>
 
-<file path=ppt/slides/slide13.xml><?xml version="1.0" encoding="utf-8"?>
+<file path=ppt/slides/slide14.xml><?xml version="1.0" encoding="utf-8"?>
 <p:sld xmlns:a="http://schemas.openxmlformats.org/drawingml/2006/main" xmlns:r="http://schemas.openxmlformats.org/officeDocument/2006/relationships" xmlns:p="http://schemas.openxmlformats.org/presentationml/2006/main">
   <p:cSld>
     <p:spTree>
@@ -9624,7 +11433,7 @@
               <a:pPr>
                 <a:defRPr/>
               </a:pPr>
-              <a:t>13</a:t>
+              <a:t>14</a:t>
             </a:fld>
             <a:endParaRPr lang="en-US" altLang="x-none"/>
           </a:p>
@@ -11375,7 +13184,7 @@
 </p:sld>
 </file>
 
-<file path=ppt/slides/slide14.xml><?xml version="1.0" encoding="utf-8"?>
+<file path=ppt/slides/slide15.xml><?xml version="1.0" encoding="utf-8"?>
 <p:sld xmlns:a="http://schemas.openxmlformats.org/drawingml/2006/main" xmlns:r="http://schemas.openxmlformats.org/officeDocument/2006/relationships" xmlns:p="http://schemas.openxmlformats.org/presentationml/2006/main">
   <p:cSld>
     <p:spTree>
@@ -11454,7 +13263,7 @@
               <a:pPr>
                 <a:defRPr/>
               </a:pPr>
-              <a:t>14</a:t>
+              <a:t>15</a:t>
             </a:fld>
             <a:endParaRPr lang="en-US" altLang="x-none"/>
           </a:p>
@@ -14691,7 +16500,7 @@
 </p:sld>
 </file>
 
-<file path=ppt/slides/slide15.xml><?xml version="1.0" encoding="utf-8"?>
+<file path=ppt/slides/slide16.xml><?xml version="1.0" encoding="utf-8"?>
 <p:sld xmlns:a="http://schemas.openxmlformats.org/drawingml/2006/main" xmlns:r="http://schemas.openxmlformats.org/officeDocument/2006/relationships" xmlns:p="http://schemas.openxmlformats.org/presentationml/2006/main">
   <p:cSld>
     <p:spTree>
@@ -14966,7 +16775,7 @@
               <a:pPr>
                 <a:defRPr/>
               </a:pPr>
-              <a:t>15</a:t>
+              <a:t>16</a:t>
             </a:fld>
             <a:endParaRPr lang="en-US" altLang="x-none"/>
           </a:p>
@@ -14985,7 +16794,7 @@
 </p:sld>
 </file>
 
-<file path=ppt/slides/slide16.xml><?xml version="1.0" encoding="utf-8"?>
+<file path=ppt/slides/slide17.xml><?xml version="1.0" encoding="utf-8"?>
 <p:sld xmlns:a="http://schemas.openxmlformats.org/drawingml/2006/main" xmlns:r="http://schemas.openxmlformats.org/officeDocument/2006/relationships" xmlns:p="http://schemas.openxmlformats.org/presentationml/2006/main">
   <p:cSld>
     <p:spTree>
@@ -15483,7 +17292,7 @@
               <a:pPr>
                 <a:defRPr/>
               </a:pPr>
-              <a:t>16</a:t>
+              <a:t>17</a:t>
             </a:fld>
             <a:endParaRPr lang="en-US" altLang="x-none"/>
           </a:p>
@@ -15502,7 +17311,7 @@
 </p:sld>
 </file>
 
-<file path=ppt/slides/slide17.xml><?xml version="1.0" encoding="utf-8"?>
+<file path=ppt/slides/slide18.xml><?xml version="1.0" encoding="utf-8"?>
 <p:sld xmlns:a="http://schemas.openxmlformats.org/drawingml/2006/main" xmlns:r="http://schemas.openxmlformats.org/officeDocument/2006/relationships" xmlns:p="http://schemas.openxmlformats.org/presentationml/2006/main">
   <p:cSld>
     <p:spTree>
@@ -16280,7 +18089,7 @@
               <a:pPr>
                 <a:defRPr/>
               </a:pPr>
-              <a:t>17</a:t>
+              <a:t>18</a:t>
             </a:fld>
             <a:endParaRPr lang="en-US" altLang="x-none"/>
           </a:p>
@@ -18961,7 +20770,7 @@
 </p:sld>
 </file>
 
-<file path=ppt/slides/slide18.xml><?xml version="1.0" encoding="utf-8"?>
+<file path=ppt/slides/slide19.xml><?xml version="1.0" encoding="utf-8"?>
 <p:sld xmlns:a="http://schemas.openxmlformats.org/drawingml/2006/main" xmlns:r="http://schemas.openxmlformats.org/officeDocument/2006/relationships" xmlns:p="http://schemas.openxmlformats.org/presentationml/2006/main">
   <p:cSld>
     <p:spTree>
@@ -19822,7 +21631,7 @@
               <a:pPr>
                 <a:defRPr/>
               </a:pPr>
-              <a:t>18</a:t>
+              <a:t>19</a:t>
             </a:fld>
             <a:endParaRPr lang="en-US" altLang="x-none" dirty="0"/>
           </a:p>

--- a/Lecture_5-Dynamical-Systems/Dynamical-Systems.pptx
+++ b/Lecture_5-Dynamical-Systems/Dynamical-Systems.pptx
@@ -292,7 +292,7 @@
               <a:pPr>
                 <a:defRPr/>
               </a:pPr>
-              <a:t>3/21/22</a:t>
+              <a:t>3/28/22</a:t>
             </a:fld>
             <a:endParaRPr lang="en-US" altLang="x-none"/>
           </a:p>
@@ -501,7 +501,7 @@
               <a:pPr>
                 <a:defRPr/>
               </a:pPr>
-              <a:t>3/21/22</a:t>
+              <a:t>3/27/22</a:t>
             </a:fld>
             <a:endParaRPr lang="en-US" altLang="x-none"/>
           </a:p>
@@ -5926,8 +5926,8 @@
           </a:p>
         </p:txBody>
       </p:sp>
-      <mc:AlternateContent xmlns:mc="http://schemas.openxmlformats.org/markup-compatibility/2006">
-        <mc:Choice xmlns:a14="http://schemas.microsoft.com/office/drawing/2010/main" Requires="a14">
+      <mc:AlternateContent xmlns:mc="http://schemas.openxmlformats.org/markup-compatibility/2006" xmlns:a14="http://schemas.microsoft.com/office/drawing/2010/main">
+        <mc:Choice Requires="a14">
           <p:sp>
             <p:nvSpPr>
               <p:cNvPr id="5" name="TextBox 4">
@@ -5956,6 +5956,7 @@
               </a:bodyPr>
               <a:lstStyle/>
               <a:p>
+                <a:pPr/>
                 <a14:m>
                   <m:oMathPara xmlns:m="http://schemas.openxmlformats.org/officeDocument/2006/math">
                     <m:oMathParaPr>
@@ -6130,7 +6131,7 @@
             </p:txBody>
           </p:sp>
         </mc:Choice>
-        <mc:Fallback>
+        <mc:Fallback xmlns="">
           <p:sp>
             <p:nvSpPr>
               <p:cNvPr id="5" name="TextBox 4">
@@ -6175,8 +6176,8 @@
           </p:sp>
         </mc:Fallback>
       </mc:AlternateContent>
-      <mc:AlternateContent xmlns:mc="http://schemas.openxmlformats.org/markup-compatibility/2006">
-        <mc:Choice xmlns:a14="http://schemas.microsoft.com/office/drawing/2010/main" Requires="a14">
+      <mc:AlternateContent xmlns:mc="http://schemas.openxmlformats.org/markup-compatibility/2006" xmlns:a14="http://schemas.microsoft.com/office/drawing/2010/main">
+        <mc:Choice Requires="a14">
           <p:sp>
             <p:nvSpPr>
               <p:cNvPr id="6" name="TextBox 5">
@@ -6205,6 +6206,7 @@
               </a:bodyPr>
               <a:lstStyle/>
               <a:p>
+                <a:pPr/>
                 <a14:m>
                   <m:oMathPara xmlns:m="http://schemas.openxmlformats.org/officeDocument/2006/math">
                     <m:oMathParaPr>
@@ -6275,7 +6277,7 @@
             </p:txBody>
           </p:sp>
         </mc:Choice>
-        <mc:Fallback>
+        <mc:Fallback xmlns="">
           <p:sp>
             <p:nvSpPr>
               <p:cNvPr id="6" name="TextBox 5">
@@ -6320,8 +6322,8 @@
           </p:sp>
         </mc:Fallback>
       </mc:AlternateContent>
-      <mc:AlternateContent xmlns:mc="http://schemas.openxmlformats.org/markup-compatibility/2006">
-        <mc:Choice xmlns:a14="http://schemas.microsoft.com/office/drawing/2010/main" Requires="a14">
+      <mc:AlternateContent xmlns:mc="http://schemas.openxmlformats.org/markup-compatibility/2006" xmlns:a14="http://schemas.microsoft.com/office/drawing/2010/main">
+        <mc:Choice Requires="a14">
           <p:sp>
             <p:nvSpPr>
               <p:cNvPr id="7" name="TextBox 6">
@@ -6350,6 +6352,7 @@
               </a:bodyPr>
               <a:lstStyle/>
               <a:p>
+                <a:pPr/>
                 <a14:m>
                   <m:oMathPara xmlns:m="http://schemas.openxmlformats.org/officeDocument/2006/math">
                     <m:oMathParaPr>
@@ -6438,7 +6441,7 @@
             </p:txBody>
           </p:sp>
         </mc:Choice>
-        <mc:Fallback>
+        <mc:Fallback xmlns="">
           <p:sp>
             <p:nvSpPr>
               <p:cNvPr id="7" name="TextBox 6">
@@ -6483,8 +6486,8 @@
           </p:sp>
         </mc:Fallback>
       </mc:AlternateContent>
-      <mc:AlternateContent xmlns:mc="http://schemas.openxmlformats.org/markup-compatibility/2006">
-        <mc:Choice xmlns:a14="http://schemas.microsoft.com/office/drawing/2010/main" Requires="a14">
+      <mc:AlternateContent xmlns:mc="http://schemas.openxmlformats.org/markup-compatibility/2006" xmlns:a14="http://schemas.microsoft.com/office/drawing/2010/main">
+        <mc:Choice Requires="a14">
           <p:sp>
             <p:nvSpPr>
               <p:cNvPr id="9" name="TextBox 8">
@@ -6513,6 +6516,7 @@
               </a:bodyPr>
               <a:lstStyle/>
               <a:p>
+                <a:pPr/>
                 <a14:m>
                   <m:oMathPara xmlns:m="http://schemas.openxmlformats.org/officeDocument/2006/math">
                     <m:oMathParaPr>
@@ -6631,7 +6635,7 @@
             </p:txBody>
           </p:sp>
         </mc:Choice>
-        <mc:Fallback>
+        <mc:Fallback xmlns="">
           <p:sp>
             <p:nvSpPr>
               <p:cNvPr id="9" name="TextBox 8">
@@ -6676,8 +6680,8 @@
           </p:sp>
         </mc:Fallback>
       </mc:AlternateContent>
-      <mc:AlternateContent xmlns:mc="http://schemas.openxmlformats.org/markup-compatibility/2006">
-        <mc:Choice xmlns:a14="http://schemas.microsoft.com/office/drawing/2010/main" Requires="a14">
+      <mc:AlternateContent xmlns:mc="http://schemas.openxmlformats.org/markup-compatibility/2006" xmlns:a14="http://schemas.microsoft.com/office/drawing/2010/main">
+        <mc:Choice Requires="a14">
           <p:sp>
             <p:nvSpPr>
               <p:cNvPr id="10" name="TextBox 9">
@@ -6706,6 +6710,7 @@
               </a:bodyPr>
               <a:lstStyle/>
               <a:p>
+                <a:pPr/>
                 <a14:m>
                   <m:oMathPara xmlns:m="http://schemas.openxmlformats.org/officeDocument/2006/math">
                     <m:oMathParaPr>
@@ -6751,7 +6756,7 @@
             </p:txBody>
           </p:sp>
         </mc:Choice>
-        <mc:Fallback>
+        <mc:Fallback xmlns="">
           <p:sp>
             <p:nvSpPr>
               <p:cNvPr id="10" name="TextBox 9">
@@ -6796,8 +6801,8 @@
           </p:sp>
         </mc:Fallback>
       </mc:AlternateContent>
-      <mc:AlternateContent xmlns:mc="http://schemas.openxmlformats.org/markup-compatibility/2006">
-        <mc:Choice xmlns:a14="http://schemas.microsoft.com/office/drawing/2010/main" Requires="a14">
+      <mc:AlternateContent xmlns:mc="http://schemas.openxmlformats.org/markup-compatibility/2006" xmlns:a14="http://schemas.microsoft.com/office/drawing/2010/main">
+        <mc:Choice Requires="a14">
           <p:sp>
             <p:nvSpPr>
               <p:cNvPr id="11" name="TextBox 10">
@@ -6826,6 +6831,7 @@
               </a:bodyPr>
               <a:lstStyle/>
               <a:p>
+                <a:pPr/>
                 <a14:m>
                   <m:oMathPara xmlns:m="http://schemas.openxmlformats.org/officeDocument/2006/math">
                     <m:oMathParaPr>
@@ -6987,7 +6993,7 @@
             </p:txBody>
           </p:sp>
         </mc:Choice>
-        <mc:Fallback>
+        <mc:Fallback xmlns="">
           <p:sp>
             <p:nvSpPr>
               <p:cNvPr id="11" name="TextBox 10">
@@ -7032,8 +7038,8 @@
           </p:sp>
         </mc:Fallback>
       </mc:AlternateContent>
-      <mc:AlternateContent xmlns:mc="http://schemas.openxmlformats.org/markup-compatibility/2006">
-        <mc:Choice xmlns:a14="http://schemas.microsoft.com/office/drawing/2010/main" Requires="a14">
+      <mc:AlternateContent xmlns:mc="http://schemas.openxmlformats.org/markup-compatibility/2006" xmlns:a14="http://schemas.microsoft.com/office/drawing/2010/main">
+        <mc:Choice Requires="a14">
           <p:sp>
             <p:nvSpPr>
               <p:cNvPr id="12" name="TextBox 11">
@@ -7062,6 +7068,7 @@
               </a:bodyPr>
               <a:lstStyle/>
               <a:p>
+                <a:pPr/>
                 <a14:m>
                   <m:oMathPara xmlns:m="http://schemas.openxmlformats.org/officeDocument/2006/math">
                     <m:oMathParaPr>
@@ -7201,7 +7208,7 @@
             </p:txBody>
           </p:sp>
         </mc:Choice>
-        <mc:Fallback>
+        <mc:Fallback xmlns="">
           <p:sp>
             <p:nvSpPr>
               <p:cNvPr id="12" name="TextBox 11">
@@ -7281,8 +7288,8 @@
           </a:p>
         </p:txBody>
       </p:sp>
-      <mc:AlternateContent xmlns:mc="http://schemas.openxmlformats.org/markup-compatibility/2006">
-        <mc:Choice xmlns:a14="http://schemas.microsoft.com/office/drawing/2010/main" Requires="a14">
+      <mc:AlternateContent xmlns:mc="http://schemas.openxmlformats.org/markup-compatibility/2006" xmlns:a14="http://schemas.microsoft.com/office/drawing/2010/main">
+        <mc:Choice Requires="a14">
           <p:sp>
             <p:nvSpPr>
               <p:cNvPr id="18" name="TextBox 17">
@@ -7724,7 +7731,7 @@
             </p:txBody>
           </p:sp>
         </mc:Choice>
-        <mc:Fallback>
+        <mc:Fallback xmlns="">
           <p:sp>
             <p:nvSpPr>
               <p:cNvPr id="18" name="TextBox 17">
@@ -7769,8 +7776,8 @@
           </p:sp>
         </mc:Fallback>
       </mc:AlternateContent>
-      <mc:AlternateContent xmlns:mc="http://schemas.openxmlformats.org/markup-compatibility/2006">
-        <mc:Choice xmlns:a14="http://schemas.microsoft.com/office/drawing/2010/main" Requires="a14">
+      <mc:AlternateContent xmlns:mc="http://schemas.openxmlformats.org/markup-compatibility/2006" xmlns:a14="http://schemas.microsoft.com/office/drawing/2010/main">
+        <mc:Choice Requires="a14">
           <p:sp>
             <p:nvSpPr>
               <p:cNvPr id="20" name="TextBox 19">
@@ -7799,6 +7806,7 @@
               </a:bodyPr>
               <a:lstStyle/>
               <a:p>
+                <a:pPr/>
                 <a14:m>
                   <m:oMathPara xmlns:m="http://schemas.openxmlformats.org/officeDocument/2006/math">
                     <m:oMathParaPr>
@@ -7950,7 +7958,7 @@
             </p:txBody>
           </p:sp>
         </mc:Choice>
-        <mc:Fallback>
+        <mc:Fallback xmlns="">
           <p:sp>
             <p:nvSpPr>
               <p:cNvPr id="20" name="TextBox 19">
@@ -7995,8 +8003,8 @@
           </p:sp>
         </mc:Fallback>
       </mc:AlternateContent>
-      <mc:AlternateContent xmlns:mc="http://schemas.openxmlformats.org/markup-compatibility/2006">
-        <mc:Choice xmlns:a14="http://schemas.microsoft.com/office/drawing/2010/main" Requires="a14">
+      <mc:AlternateContent xmlns:mc="http://schemas.openxmlformats.org/markup-compatibility/2006" xmlns:a14="http://schemas.microsoft.com/office/drawing/2010/main">
+        <mc:Choice Requires="a14">
           <p:sp>
             <p:nvSpPr>
               <p:cNvPr id="21" name="TextBox 20">
@@ -8025,6 +8033,7 @@
               </a:bodyPr>
               <a:lstStyle/>
               <a:p>
+                <a:pPr/>
                 <a14:m>
                   <m:oMathPara xmlns:m="http://schemas.openxmlformats.org/officeDocument/2006/math">
                     <m:oMathParaPr>
@@ -8116,7 +8125,7 @@
             </p:txBody>
           </p:sp>
         </mc:Choice>
-        <mc:Fallback>
+        <mc:Fallback xmlns="">
           <p:sp>
             <p:nvSpPr>
               <p:cNvPr id="21" name="TextBox 20">
@@ -8161,8 +8170,8 @@
           </p:sp>
         </mc:Fallback>
       </mc:AlternateContent>
-      <mc:AlternateContent xmlns:mc="http://schemas.openxmlformats.org/markup-compatibility/2006">
-        <mc:Choice xmlns:a14="http://schemas.microsoft.com/office/drawing/2010/main" Requires="a14">
+      <mc:AlternateContent xmlns:mc="http://schemas.openxmlformats.org/markup-compatibility/2006" xmlns:a14="http://schemas.microsoft.com/office/drawing/2010/main">
+        <mc:Choice Requires="a14">
           <p:sp>
             <p:nvSpPr>
               <p:cNvPr id="22" name="TextBox 21">
@@ -8191,6 +8200,7 @@
               </a:bodyPr>
               <a:lstStyle/>
               <a:p>
+                <a:pPr/>
                 <a14:m>
                   <m:oMathPara xmlns:m="http://schemas.openxmlformats.org/officeDocument/2006/math">
                     <m:oMathParaPr>
@@ -8292,7 +8302,7 @@
             </p:txBody>
           </p:sp>
         </mc:Choice>
-        <mc:Fallback>
+        <mc:Fallback xmlns="">
           <p:sp>
             <p:nvSpPr>
               <p:cNvPr id="22" name="TextBox 21">
@@ -8337,8 +8347,8 @@
           </p:sp>
         </mc:Fallback>
       </mc:AlternateContent>
-      <mc:AlternateContent xmlns:mc="http://schemas.openxmlformats.org/markup-compatibility/2006">
-        <mc:Choice xmlns:a14="http://schemas.microsoft.com/office/drawing/2010/main" Requires="a14">
+      <mc:AlternateContent xmlns:mc="http://schemas.openxmlformats.org/markup-compatibility/2006" xmlns:a14="http://schemas.microsoft.com/office/drawing/2010/main">
+        <mc:Choice Requires="a14">
           <p:sp>
             <p:nvSpPr>
               <p:cNvPr id="23" name="TextBox 22">
@@ -8367,6 +8377,7 @@
               </a:bodyPr>
               <a:lstStyle/>
               <a:p>
+                <a:pPr/>
                 <a14:m>
                   <m:oMathPara xmlns:m="http://schemas.openxmlformats.org/officeDocument/2006/math">
                     <m:oMathParaPr>
@@ -8403,13 +8414,7 @@
                                 <a:rPr lang="en-US" b="0" i="1" smtClean="0">
                                   <a:latin typeface="Cambria Math" panose="02040503050406030204" pitchFamily="18" charset="0"/>
                                 </a:rPr>
-                                <m:t>4</m:t>
-                              </m:r>
-                              <m:r>
-                                <a:rPr lang="en-US" b="0" i="1" smtClean="0">
-                                  <a:latin typeface="Cambria Math" panose="02040503050406030204" pitchFamily="18" charset="0"/>
-                                </a:rPr>
-                                <m:t>∫(</m:t>
+                                <m:t>4∫(</m:t>
                               </m:r>
                               <m:r>
                                 <a:rPr lang="en-US" b="0" i="1" smtClean="0">
@@ -8480,7 +8485,7 @@
             </p:txBody>
           </p:sp>
         </mc:Choice>
-        <mc:Fallback>
+        <mc:Fallback xmlns="">
           <p:sp>
             <p:nvSpPr>
               <p:cNvPr id="23" name="TextBox 22">
@@ -8525,8 +8530,8 @@
           </p:sp>
         </mc:Fallback>
       </mc:AlternateContent>
-      <mc:AlternateContent xmlns:mc="http://schemas.openxmlformats.org/markup-compatibility/2006">
-        <mc:Choice xmlns:a14="http://schemas.microsoft.com/office/drawing/2010/main" Requires="a14">
+      <mc:AlternateContent xmlns:mc="http://schemas.openxmlformats.org/markup-compatibility/2006" xmlns:a14="http://schemas.microsoft.com/office/drawing/2010/main">
+        <mc:Choice Requires="a14">
           <p:sp>
             <p:nvSpPr>
               <p:cNvPr id="24" name="Rectangle 23">
@@ -8554,6 +8559,7 @@
               </a:bodyPr>
               <a:lstStyle/>
               <a:p>
+                <a:pPr/>
                 <a14:m>
                   <m:oMathPara xmlns:m="http://schemas.openxmlformats.org/officeDocument/2006/math">
                     <m:oMathParaPr>
@@ -8685,7 +8691,7 @@
             </p:txBody>
           </p:sp>
         </mc:Choice>
-        <mc:Fallback>
+        <mc:Fallback xmlns="">
           <p:sp>
             <p:nvSpPr>
               <p:cNvPr id="24" name="Rectangle 23">
@@ -9469,8 +9475,8 @@
           </a:p>
         </p:txBody>
       </p:sp>
-      <mc:AlternateContent xmlns:mc="http://schemas.openxmlformats.org/markup-compatibility/2006">
-        <mc:Choice xmlns:a14="http://schemas.microsoft.com/office/drawing/2010/main" Requires="a14">
+      <mc:AlternateContent xmlns:mc="http://schemas.openxmlformats.org/markup-compatibility/2006" xmlns:a14="http://schemas.microsoft.com/office/drawing/2010/main">
+        <mc:Choice Requires="a14">
           <p:sp>
             <p:nvSpPr>
               <p:cNvPr id="4" name="Content Placeholder 3">
@@ -9866,7 +9872,7 @@
             </p:txBody>
           </p:sp>
         </mc:Choice>
-        <mc:Fallback>
+        <mc:Fallback xmlns="">
           <p:sp>
             <p:nvSpPr>
               <p:cNvPr id="4" name="Content Placeholder 3">
@@ -10080,8 +10086,8 @@
           </a:p>
         </p:txBody>
       </p:sp>
-      <mc:AlternateContent xmlns:mc="http://schemas.openxmlformats.org/markup-compatibility/2006">
-        <mc:Choice xmlns:a14="http://schemas.microsoft.com/office/drawing/2010/main" Requires="a14">
+      <mc:AlternateContent xmlns:mc="http://schemas.openxmlformats.org/markup-compatibility/2006" xmlns:a14="http://schemas.microsoft.com/office/drawing/2010/main">
+        <mc:Choice Requires="a14">
           <p:sp>
             <p:nvSpPr>
               <p:cNvPr id="8" name="TextBox 7">
@@ -10110,6 +10116,7 @@
               </a:bodyPr>
               <a:lstStyle/>
               <a:p>
+                <a:pPr/>
                 <a14:m>
                   <m:oMathPara xmlns:m="http://schemas.openxmlformats.org/officeDocument/2006/math">
                     <m:oMathParaPr>
@@ -10148,7 +10155,7 @@
             </p:txBody>
           </p:sp>
         </mc:Choice>
-        <mc:Fallback>
+        <mc:Fallback xmlns="">
           <p:sp>
             <p:nvSpPr>
               <p:cNvPr id="8" name="TextBox 7">
@@ -10193,8 +10200,8 @@
           </p:sp>
         </mc:Fallback>
       </mc:AlternateContent>
-      <mc:AlternateContent xmlns:mc="http://schemas.openxmlformats.org/markup-compatibility/2006">
-        <mc:Choice xmlns:a14="http://schemas.microsoft.com/office/drawing/2010/main" Requires="a14">
+      <mc:AlternateContent xmlns:mc="http://schemas.openxmlformats.org/markup-compatibility/2006" xmlns:a14="http://schemas.microsoft.com/office/drawing/2010/main">
+        <mc:Choice Requires="a14">
           <p:sp>
             <p:nvSpPr>
               <p:cNvPr id="9" name="TextBox 8">
@@ -10223,6 +10230,7 @@
               </a:bodyPr>
               <a:lstStyle/>
               <a:p>
+                <a:pPr/>
                 <a14:m>
                   <m:oMathPara xmlns:m="http://schemas.openxmlformats.org/officeDocument/2006/math">
                     <m:oMathParaPr>
@@ -10261,7 +10269,7 @@
             </p:txBody>
           </p:sp>
         </mc:Choice>
-        <mc:Fallback>
+        <mc:Fallback xmlns="">
           <p:sp>
             <p:nvSpPr>
               <p:cNvPr id="9" name="TextBox 8">
@@ -10306,8 +10314,8 @@
           </p:sp>
         </mc:Fallback>
       </mc:AlternateContent>
-      <mc:AlternateContent xmlns:mc="http://schemas.openxmlformats.org/markup-compatibility/2006">
-        <mc:Choice xmlns:a14="http://schemas.microsoft.com/office/drawing/2010/main" Requires="a14">
+      <mc:AlternateContent xmlns:mc="http://schemas.openxmlformats.org/markup-compatibility/2006" xmlns:a14="http://schemas.microsoft.com/office/drawing/2010/main">
+        <mc:Choice Requires="a14">
           <p:sp>
             <p:nvSpPr>
               <p:cNvPr id="10" name="TextBox 9">
@@ -10336,6 +10344,7 @@
               </a:bodyPr>
               <a:lstStyle/>
               <a:p>
+                <a:pPr/>
                 <a14:m>
                   <m:oMathPara xmlns:m="http://schemas.openxmlformats.org/officeDocument/2006/math">
                     <m:oMathParaPr>
@@ -10374,7 +10383,7 @@
             </p:txBody>
           </p:sp>
         </mc:Choice>
-        <mc:Fallback>
+        <mc:Fallback xmlns="">
           <p:sp>
             <p:nvSpPr>
               <p:cNvPr id="10" name="TextBox 9">
@@ -10419,8 +10428,8 @@
           </p:sp>
         </mc:Fallback>
       </mc:AlternateContent>
-      <mc:AlternateContent xmlns:mc="http://schemas.openxmlformats.org/markup-compatibility/2006">
-        <mc:Choice xmlns:a14="http://schemas.microsoft.com/office/drawing/2010/main" Requires="a14">
+      <mc:AlternateContent xmlns:mc="http://schemas.openxmlformats.org/markup-compatibility/2006" xmlns:a14="http://schemas.microsoft.com/office/drawing/2010/main">
+        <mc:Choice Requires="a14">
           <p:sp>
             <p:nvSpPr>
               <p:cNvPr id="11" name="TextBox 10">
@@ -10449,6 +10458,7 @@
               </a:bodyPr>
               <a:lstStyle/>
               <a:p>
+                <a:pPr/>
                 <a14:m>
                   <m:oMathPara xmlns:m="http://schemas.openxmlformats.org/officeDocument/2006/math">
                     <m:oMathParaPr>
@@ -10487,7 +10497,7 @@
             </p:txBody>
           </p:sp>
         </mc:Choice>
-        <mc:Fallback>
+        <mc:Fallback xmlns="">
           <p:sp>
             <p:nvSpPr>
               <p:cNvPr id="11" name="TextBox 10">
@@ -10532,8 +10542,8 @@
           </p:sp>
         </mc:Fallback>
       </mc:AlternateContent>
-      <mc:AlternateContent xmlns:mc="http://schemas.openxmlformats.org/markup-compatibility/2006">
-        <mc:Choice xmlns:a14="http://schemas.microsoft.com/office/drawing/2010/main" Requires="a14">
+      <mc:AlternateContent xmlns:mc="http://schemas.openxmlformats.org/markup-compatibility/2006" xmlns:a14="http://schemas.microsoft.com/office/drawing/2010/main">
+        <mc:Choice Requires="a14">
           <p:sp>
             <p:nvSpPr>
               <p:cNvPr id="12" name="TextBox 11">
@@ -10562,6 +10572,7 @@
               </a:bodyPr>
               <a:lstStyle/>
               <a:p>
+                <a:pPr/>
                 <a14:m>
                   <m:oMathPara xmlns:m="http://schemas.openxmlformats.org/officeDocument/2006/math">
                     <m:oMathParaPr>
@@ -10600,7 +10611,7 @@
             </p:txBody>
           </p:sp>
         </mc:Choice>
-        <mc:Fallback>
+        <mc:Fallback xmlns="">
           <p:sp>
             <p:nvSpPr>
               <p:cNvPr id="12" name="TextBox 11">
@@ -11464,8 +11475,8 @@
           </a:p>
         </p:txBody>
       </p:sp>
-      <mc:AlternateContent xmlns:mc="http://schemas.openxmlformats.org/markup-compatibility/2006">
-        <mc:Choice xmlns:a14="http://schemas.microsoft.com/office/drawing/2010/main" Requires="a14">
+      <mc:AlternateContent xmlns:mc="http://schemas.openxmlformats.org/markup-compatibility/2006" xmlns:a14="http://schemas.microsoft.com/office/drawing/2010/main">
+        <mc:Choice Requires="a14">
           <p:sp>
             <p:nvSpPr>
               <p:cNvPr id="3" name="Content Placeholder 2">
@@ -11534,13 +11545,7 @@
                       <a:rPr lang="en-US" b="1" i="1" dirty="0">
                         <a:latin typeface="Cambria Math" panose="02040503050406030204" pitchFamily="18" charset="0"/>
                       </a:rPr>
-                      <m:t>𝑨</m:t>
-                    </m:r>
-                    <m:r>
-                      <a:rPr lang="en-US" b="1" i="1" dirty="0">
-                        <a:latin typeface="Cambria Math" panose="02040503050406030204" pitchFamily="18" charset="0"/>
-                      </a:rPr>
-                      <m:t>𝒙</m:t>
+                      <m:t>𝑨𝒙</m:t>
                     </m:r>
                     <m:d>
                       <m:dPr>
@@ -12389,7 +12394,7 @@
             </p:txBody>
           </p:sp>
         </mc:Choice>
-        <mc:Fallback>
+        <mc:Fallback xmlns="">
           <p:sp>
             <p:nvSpPr>
               <p:cNvPr id="3" name="Content Placeholder 2">
@@ -12499,8 +12504,8 @@
           </a:p>
         </p:txBody>
       </p:sp>
-      <mc:AlternateContent xmlns:mc="http://schemas.openxmlformats.org/markup-compatibility/2006">
-        <mc:Choice xmlns:a14="http://schemas.microsoft.com/office/drawing/2010/main" Requires="a14">
+      <mc:AlternateContent xmlns:mc="http://schemas.openxmlformats.org/markup-compatibility/2006" xmlns:a14="http://schemas.microsoft.com/office/drawing/2010/main">
+        <mc:Choice Requires="a14">
           <p:sp>
             <p:nvSpPr>
               <p:cNvPr id="7" name="Rectangle 6">
@@ -12528,6 +12533,7 @@
               </a:bodyPr>
               <a:lstStyle/>
               <a:p>
+                <a:pPr/>
                 <a14:m>
                   <m:oMathPara xmlns:m="http://schemas.openxmlformats.org/officeDocument/2006/math">
                     <m:oMathParaPr>
@@ -12711,7 +12717,7 @@
             </p:txBody>
           </p:sp>
         </mc:Choice>
-        <mc:Fallback>
+        <mc:Fallback xmlns="">
           <p:sp>
             <p:nvSpPr>
               <p:cNvPr id="7" name="Rectangle 6">
@@ -13080,8 +13086,8 @@
           </a:p>
         </p:txBody>
       </p:sp>
-      <mc:AlternateContent xmlns:mc="http://schemas.openxmlformats.org/markup-compatibility/2006">
-        <mc:Choice xmlns:a14="http://schemas.microsoft.com/office/drawing/2010/main" Requires="a14">
+      <mc:AlternateContent xmlns:mc="http://schemas.openxmlformats.org/markup-compatibility/2006" xmlns:a14="http://schemas.microsoft.com/office/drawing/2010/main">
+        <mc:Choice Requires="a14">
           <p:sp>
             <p:nvSpPr>
               <p:cNvPr id="3" name="Content Placeholder 2">
@@ -13180,7 +13186,7 @@
             </p:txBody>
           </p:sp>
         </mc:Choice>
-        <mc:Fallback>
+        <mc:Fallback xmlns="">
           <p:sp>
             <p:nvSpPr>
               <p:cNvPr id="3" name="Content Placeholder 2">
@@ -13259,8 +13265,8 @@
           </a:p>
         </p:txBody>
       </p:sp>
-      <mc:AlternateContent xmlns:mc="http://schemas.openxmlformats.org/markup-compatibility/2006">
-        <mc:Choice xmlns:a14="http://schemas.microsoft.com/office/drawing/2010/main" Requires="a14">
+      <mc:AlternateContent xmlns:mc="http://schemas.openxmlformats.org/markup-compatibility/2006" xmlns:a14="http://schemas.microsoft.com/office/drawing/2010/main">
+        <mc:Choice Requires="a14">
           <p:graphicFrame>
             <p:nvGraphicFramePr>
               <p:cNvPr id="5" name="Table 5">
@@ -13337,6 +13343,7 @@
                         <a:bodyPr/>
                         <a:lstStyle/>
                         <a:p>
+                          <a:pPr/>
                           <a14:m>
                             <m:oMathPara xmlns:m="http://schemas.openxmlformats.org/officeDocument/2006/math">
                               <m:oMathParaPr>
@@ -14098,7 +14105,7 @@
             </a:graphic>
           </p:graphicFrame>
         </mc:Choice>
-        <mc:Fallback>
+        <mc:Fallback xmlns="">
           <p:graphicFrame>
             <p:nvGraphicFramePr>
               <p:cNvPr id="5" name="Table 5">
@@ -14547,8 +14554,8 @@
             </a:p>
           </p:txBody>
         </p:sp>
-        <mc:AlternateContent xmlns:mc="http://schemas.openxmlformats.org/markup-compatibility/2006">
-          <mc:Choice xmlns:a14="http://schemas.microsoft.com/office/drawing/2010/main" Requires="a14">
+        <mc:AlternateContent xmlns:mc="http://schemas.openxmlformats.org/markup-compatibility/2006" xmlns:a14="http://schemas.microsoft.com/office/drawing/2010/main">
+          <mc:Choice Requires="a14">
             <p:sp>
               <p:nvSpPr>
                 <p:cNvPr id="8" name="TextBox 7">
@@ -14579,6 +14586,7 @@
                 </a:bodyPr>
                 <a:lstStyle/>
                 <a:p>
+                  <a:pPr/>
                   <a14:m>
                     <m:oMathPara xmlns:m="http://schemas.openxmlformats.org/officeDocument/2006/math">
                       <m:oMathParaPr>
@@ -14611,7 +14619,7 @@
               </p:txBody>
             </p:sp>
           </mc:Choice>
-          <mc:Fallback>
+          <mc:Fallback xmlns="">
             <p:sp>
               <p:nvSpPr>
                 <p:cNvPr id="8" name="TextBox 7">
@@ -14770,8 +14778,8 @@
             </a:p>
           </p:txBody>
         </p:sp>
-        <mc:AlternateContent xmlns:mc="http://schemas.openxmlformats.org/markup-compatibility/2006">
-          <mc:Choice xmlns:a14="http://schemas.microsoft.com/office/drawing/2010/main" Requires="a14">
+        <mc:AlternateContent xmlns:mc="http://schemas.openxmlformats.org/markup-compatibility/2006" xmlns:a14="http://schemas.microsoft.com/office/drawing/2010/main">
+          <mc:Choice Requires="a14">
             <p:sp>
               <p:nvSpPr>
                 <p:cNvPr id="13" name="TextBox 12">
@@ -14802,6 +14810,7 @@
                 </a:bodyPr>
                 <a:lstStyle/>
                 <a:p>
+                  <a:pPr/>
                   <a14:m>
                     <m:oMathPara xmlns:m="http://schemas.openxmlformats.org/officeDocument/2006/math">
                       <m:oMathParaPr>
@@ -14825,7 +14834,7 @@
               </p:txBody>
             </p:sp>
           </mc:Choice>
-          <mc:Fallback>
+          <mc:Fallback xmlns="">
             <p:sp>
               <p:nvSpPr>
                 <p:cNvPr id="13" name="TextBox 12">
@@ -18365,8 +18374,8 @@
           </a:p>
         </p:txBody>
       </p:sp>
-      <mc:AlternateContent xmlns:mc="http://schemas.openxmlformats.org/markup-compatibility/2006">
-        <mc:Choice xmlns:a14="http://schemas.microsoft.com/office/drawing/2010/main" Requires="a14">
+      <mc:AlternateContent xmlns:mc="http://schemas.openxmlformats.org/markup-compatibility/2006" xmlns:a14="http://schemas.microsoft.com/office/drawing/2010/main">
+        <mc:Choice Requires="a14">
           <p:sp>
             <p:nvSpPr>
               <p:cNvPr id="3" name="Content Placeholder 2">
@@ -18522,7 +18531,7 @@
             </p:txBody>
           </p:sp>
         </mc:Choice>
-        <mc:Fallback>
+        <mc:Fallback xmlns="">
           <p:sp>
             <p:nvSpPr>
               <p:cNvPr id="3" name="Content Placeholder 2">
@@ -18664,8 +18673,8 @@
           </a:p>
         </p:txBody>
       </p:sp>
-      <mc:AlternateContent xmlns:mc="http://schemas.openxmlformats.org/markup-compatibility/2006">
-        <mc:Choice xmlns:a14="http://schemas.microsoft.com/office/drawing/2010/main" Requires="a14">
+      <mc:AlternateContent xmlns:mc="http://schemas.openxmlformats.org/markup-compatibility/2006" xmlns:a14="http://schemas.microsoft.com/office/drawing/2010/main">
+        <mc:Choice Requires="a14">
           <p:sp>
             <p:nvSpPr>
               <p:cNvPr id="3" name="Content Placeholder 2">
@@ -19039,7 +19048,7 @@
             </p:txBody>
           </p:sp>
         </mc:Choice>
-        <mc:Fallback>
+        <mc:Fallback xmlns="">
           <p:sp>
             <p:nvSpPr>
               <p:cNvPr id="3" name="Content Placeholder 2">
@@ -19176,8 +19185,8 @@
           </a:p>
         </p:txBody>
       </p:sp>
-      <mc:AlternateContent xmlns:mc="http://schemas.openxmlformats.org/markup-compatibility/2006">
-        <mc:Choice xmlns:a14="http://schemas.microsoft.com/office/drawing/2010/main" Requires="a14">
+      <mc:AlternateContent xmlns:mc="http://schemas.openxmlformats.org/markup-compatibility/2006" xmlns:a14="http://schemas.microsoft.com/office/drawing/2010/main">
+        <mc:Choice Requires="a14">
           <p:sp>
             <p:nvSpPr>
               <p:cNvPr id="3" name="Content Placeholder 2">
@@ -19582,7 +19591,7 @@
                     <m:f>
                       <m:fPr>
                         <m:ctrlPr>
-                          <a:rPr lang="en-US" sz="1800" b="0" i="0" smtClean="0">
+                          <a:rPr lang="en-US" sz="1800" b="0" i="1" smtClean="0">
                             <a:latin typeface="Cambria Math" panose="02040503050406030204" pitchFamily="18" charset="0"/>
                           </a:rPr>
                         </m:ctrlPr>
@@ -19836,7 +19845,7 @@
             </p:txBody>
           </p:sp>
         </mc:Choice>
-        <mc:Fallback>
+        <mc:Fallback xmlns="">
           <p:sp>
             <p:nvSpPr>
               <p:cNvPr id="3" name="Content Placeholder 2">
@@ -20026,8 +20035,8 @@
               </a:p>
             </p:txBody>
           </p:sp>
-          <mc:AlternateContent xmlns:mc="http://schemas.openxmlformats.org/markup-compatibility/2006">
-            <mc:Choice xmlns:a14="http://schemas.microsoft.com/office/drawing/2010/main" Requires="a14">
+          <mc:AlternateContent xmlns:mc="http://schemas.openxmlformats.org/markup-compatibility/2006" xmlns:a14="http://schemas.microsoft.com/office/drawing/2010/main">
+            <mc:Choice Requires="a14">
               <p:sp>
                 <p:nvSpPr>
                   <p:cNvPr id="14" name="TextBox 13">
@@ -20133,7 +20142,7 @@
                 </p:txBody>
               </p:sp>
             </mc:Choice>
-            <mc:Fallback>
+            <mc:Fallback xmlns="">
               <p:sp>
                 <p:nvSpPr>
                   <p:cNvPr id="14" name="TextBox 13">
@@ -20178,8 +20187,8 @@
               </p:sp>
             </mc:Fallback>
           </mc:AlternateContent>
-          <mc:AlternateContent xmlns:mc="http://schemas.openxmlformats.org/markup-compatibility/2006">
-            <mc:Choice xmlns:a14="http://schemas.microsoft.com/office/drawing/2010/main" Requires="a14">
+          <mc:AlternateContent xmlns:mc="http://schemas.openxmlformats.org/markup-compatibility/2006" xmlns:a14="http://schemas.microsoft.com/office/drawing/2010/main">
+            <mc:Choice Requires="a14">
               <p:sp>
                 <p:nvSpPr>
                   <p:cNvPr id="15" name="TextBox 14">
@@ -20285,7 +20294,7 @@
                 </p:txBody>
               </p:sp>
             </mc:Choice>
-            <mc:Fallback>
+            <mc:Fallback xmlns="">
               <p:sp>
                 <p:nvSpPr>
                   <p:cNvPr id="15" name="TextBox 14">
@@ -20638,8 +20647,8 @@
               <a:chExt cx="1690879" cy="905029"/>
             </a:xfrm>
           </p:grpSpPr>
-          <mc:AlternateContent xmlns:mc="http://schemas.openxmlformats.org/markup-compatibility/2006">
-            <mc:Choice xmlns:a14="http://schemas.microsoft.com/office/drawing/2010/main" Requires="a14">
+          <mc:AlternateContent xmlns:mc="http://schemas.openxmlformats.org/markup-compatibility/2006" xmlns:a14="http://schemas.microsoft.com/office/drawing/2010/main">
+            <mc:Choice Requires="a14">
               <p:sp>
                 <p:nvSpPr>
                   <p:cNvPr id="26" name="TextBox 25">
@@ -20751,7 +20760,7 @@
                 </p:txBody>
               </p:sp>
             </mc:Choice>
-            <mc:Fallback>
+            <mc:Fallback xmlns="">
               <p:sp>
                 <p:nvSpPr>
                   <p:cNvPr id="26" name="TextBox 25">
@@ -20796,8 +20805,8 @@
               </p:sp>
             </mc:Fallback>
           </mc:AlternateContent>
-          <mc:AlternateContent xmlns:mc="http://schemas.openxmlformats.org/markup-compatibility/2006">
-            <mc:Choice xmlns:a14="http://schemas.microsoft.com/office/drawing/2010/main" Requires="a14">
+          <mc:AlternateContent xmlns:mc="http://schemas.openxmlformats.org/markup-compatibility/2006" xmlns:a14="http://schemas.microsoft.com/office/drawing/2010/main">
+            <mc:Choice Requires="a14">
               <p:sp>
                 <p:nvSpPr>
                   <p:cNvPr id="27" name="TextBox 26">
@@ -20890,7 +20899,7 @@
                 </p:txBody>
               </p:sp>
             </mc:Choice>
-            <mc:Fallback>
+            <mc:Fallback xmlns="">
               <p:sp>
                 <p:nvSpPr>
                   <p:cNvPr id="27" name="TextBox 26">
@@ -21096,8 +21105,8 @@
               <a:chExt cx="1092656" cy="1478688"/>
             </a:xfrm>
           </p:grpSpPr>
-          <mc:AlternateContent xmlns:mc="http://schemas.openxmlformats.org/markup-compatibility/2006">
-            <mc:Choice xmlns:a14="http://schemas.microsoft.com/office/drawing/2010/main" Requires="a14">
+          <mc:AlternateContent xmlns:mc="http://schemas.openxmlformats.org/markup-compatibility/2006" xmlns:a14="http://schemas.microsoft.com/office/drawing/2010/main">
+            <mc:Choice Requires="a14">
               <p:sp>
                 <p:nvSpPr>
                   <p:cNvPr id="33" name="Rectangle 32">
@@ -21158,7 +21167,7 @@
                 </p:txBody>
               </p:sp>
             </mc:Choice>
-            <mc:Fallback>
+            <mc:Fallback xmlns="">
               <p:sp>
                 <p:nvSpPr>
                   <p:cNvPr id="33" name="Rectangle 32">
@@ -21203,8 +21212,8 @@
               </p:sp>
             </mc:Fallback>
           </mc:AlternateContent>
-          <mc:AlternateContent xmlns:mc="http://schemas.openxmlformats.org/markup-compatibility/2006">
-            <mc:Choice xmlns:a14="http://schemas.microsoft.com/office/drawing/2010/main" Requires="a14">
+          <mc:AlternateContent xmlns:mc="http://schemas.openxmlformats.org/markup-compatibility/2006" xmlns:a14="http://schemas.microsoft.com/office/drawing/2010/main">
+            <mc:Choice Requires="a14">
               <p:sp>
                 <p:nvSpPr>
                   <p:cNvPr id="34" name="Rectangle 33">
@@ -21265,7 +21274,7 @@
                 </p:txBody>
               </p:sp>
             </mc:Choice>
-            <mc:Fallback>
+            <mc:Fallback xmlns="">
               <p:sp>
                 <p:nvSpPr>
                   <p:cNvPr id="34" name="Rectangle 33">
@@ -21310,8 +21319,8 @@
               </p:sp>
             </mc:Fallback>
           </mc:AlternateContent>
-          <mc:AlternateContent xmlns:mc="http://schemas.openxmlformats.org/markup-compatibility/2006">
-            <mc:Choice xmlns:a14="http://schemas.microsoft.com/office/drawing/2010/main" Requires="a14">
+          <mc:AlternateContent xmlns:mc="http://schemas.openxmlformats.org/markup-compatibility/2006" xmlns:a14="http://schemas.microsoft.com/office/drawing/2010/main">
+            <mc:Choice Requires="a14">
               <p:sp>
                 <p:nvSpPr>
                   <p:cNvPr id="35" name="Rectangle 34">
@@ -21372,7 +21381,7 @@
                 </p:txBody>
               </p:sp>
             </mc:Choice>
-            <mc:Fallback>
+            <mc:Fallback xmlns="">
               <p:sp>
                 <p:nvSpPr>
                   <p:cNvPr id="35" name="Rectangle 34">
@@ -21417,8 +21426,8 @@
               </p:sp>
             </mc:Fallback>
           </mc:AlternateContent>
-          <mc:AlternateContent xmlns:mc="http://schemas.openxmlformats.org/markup-compatibility/2006">
-            <mc:Choice xmlns:a14="http://schemas.microsoft.com/office/drawing/2010/main" Requires="a14">
+          <mc:AlternateContent xmlns:mc="http://schemas.openxmlformats.org/markup-compatibility/2006" xmlns:a14="http://schemas.microsoft.com/office/drawing/2010/main">
+            <mc:Choice Requires="a14">
               <p:sp>
                 <p:nvSpPr>
                   <p:cNvPr id="36" name="Rectangle 35">
@@ -21479,7 +21488,7 @@
                 </p:txBody>
               </p:sp>
             </mc:Choice>
-            <mc:Fallback>
+            <mc:Fallback xmlns="">
               <p:sp>
                 <p:nvSpPr>
                   <p:cNvPr id="36" name="Rectangle 35">
@@ -21595,8 +21604,8 @@
             </p:txBody>
           </p:sp>
         </p:grpSp>
-        <mc:AlternateContent xmlns:mc="http://schemas.openxmlformats.org/markup-compatibility/2006">
-          <mc:Choice xmlns:a14="http://schemas.microsoft.com/office/drawing/2010/main" Requires="a14">
+        <mc:AlternateContent xmlns:mc="http://schemas.openxmlformats.org/markup-compatibility/2006" xmlns:a14="http://schemas.microsoft.com/office/drawing/2010/main">
+          <mc:Choice Requires="a14">
             <p:sp>
               <p:nvSpPr>
                 <p:cNvPr id="39" name="TextBox 38">
@@ -21646,7 +21655,7 @@
               </p:txBody>
             </p:sp>
           </mc:Choice>
-          <mc:Fallback>
+          <mc:Fallback xmlns="">
             <p:sp>
               <p:nvSpPr>
                 <p:cNvPr id="39" name="TextBox 38">
@@ -21691,8 +21700,8 @@
             </p:sp>
           </mc:Fallback>
         </mc:AlternateContent>
-        <mc:AlternateContent xmlns:mc="http://schemas.openxmlformats.org/markup-compatibility/2006">
-          <mc:Choice xmlns:a14="http://schemas.microsoft.com/office/drawing/2010/main" Requires="a14">
+        <mc:AlternateContent xmlns:mc="http://schemas.openxmlformats.org/markup-compatibility/2006" xmlns:a14="http://schemas.microsoft.com/office/drawing/2010/main">
+          <mc:Choice Requires="a14">
             <p:sp>
               <p:nvSpPr>
                 <p:cNvPr id="40" name="TextBox 39">
@@ -21742,7 +21751,7 @@
               </p:txBody>
             </p:sp>
           </mc:Choice>
-          <mc:Fallback>
+          <mc:Fallback xmlns="">
             <p:sp>
               <p:nvSpPr>
                 <p:cNvPr id="40" name="TextBox 39">
@@ -21860,8 +21869,8 @@
           </p:txBody>
         </p:sp>
       </p:grpSp>
-      <mc:AlternateContent xmlns:mc="http://schemas.openxmlformats.org/markup-compatibility/2006">
-        <mc:Choice xmlns:a14="http://schemas.microsoft.com/office/drawing/2010/main" Requires="a14">
+      <mc:AlternateContent xmlns:mc="http://schemas.openxmlformats.org/markup-compatibility/2006" xmlns:a14="http://schemas.microsoft.com/office/drawing/2010/main">
+        <mc:Choice Requires="a14">
           <p:sp>
             <p:nvSpPr>
               <p:cNvPr id="6" name="TextBox 5">
@@ -21890,6 +21899,7 @@
               </a:bodyPr>
               <a:lstStyle/>
               <a:p>
+                <a:pPr/>
                 <a14:m>
                   <m:oMathPara xmlns:m="http://schemas.openxmlformats.org/officeDocument/2006/math">
                     <m:oMathParaPr>
@@ -22288,7 +22298,7 @@
             </p:txBody>
           </p:sp>
         </mc:Choice>
-        <mc:Fallback>
+        <mc:Fallback xmlns="">
           <p:sp>
             <p:nvSpPr>
               <p:cNvPr id="6" name="TextBox 5">
@@ -22635,8 +22645,8 @@
           </a:p>
         </p:txBody>
       </p:sp>
-      <mc:AlternateContent xmlns:mc="http://schemas.openxmlformats.org/markup-compatibility/2006">
-        <mc:Choice xmlns:a14="http://schemas.microsoft.com/office/drawing/2010/main" Requires="a14">
+      <mc:AlternateContent xmlns:mc="http://schemas.openxmlformats.org/markup-compatibility/2006" xmlns:a14="http://schemas.microsoft.com/office/drawing/2010/main">
+        <mc:Choice Requires="a14">
           <p:sp>
             <p:nvSpPr>
               <p:cNvPr id="3" name="Content Placeholder 2">
@@ -23373,7 +23383,7 @@
             </p:txBody>
           </p:sp>
         </mc:Choice>
-        <mc:Fallback>
+        <mc:Fallback xmlns="">
           <p:sp>
             <p:nvSpPr>
               <p:cNvPr id="3" name="Content Placeholder 2">
@@ -23457,8 +23467,8 @@
           </a:p>
         </p:txBody>
       </p:sp>
-      <mc:AlternateContent xmlns:mc="http://schemas.openxmlformats.org/markup-compatibility/2006">
-        <mc:Choice xmlns:a14="http://schemas.microsoft.com/office/drawing/2010/main" Requires="a14">
+      <mc:AlternateContent xmlns:mc="http://schemas.openxmlformats.org/markup-compatibility/2006" xmlns:a14="http://schemas.microsoft.com/office/drawing/2010/main">
+        <mc:Choice Requires="a14">
           <p:sp>
             <p:nvSpPr>
               <p:cNvPr id="53" name="TextBox 52">
@@ -23487,6 +23497,7 @@
               </a:bodyPr>
               <a:lstStyle/>
               <a:p>
+                <a:pPr/>
                 <a14:m>
                   <m:oMathPara xmlns:m="http://schemas.openxmlformats.org/officeDocument/2006/math">
                     <m:oMathParaPr>
@@ -23510,7 +23521,7 @@
             </p:txBody>
           </p:sp>
         </mc:Choice>
-        <mc:Fallback>
+        <mc:Fallback xmlns="">
           <p:sp>
             <p:nvSpPr>
               <p:cNvPr id="53" name="TextBox 52">
@@ -23555,8 +23566,8 @@
           </p:sp>
         </mc:Fallback>
       </mc:AlternateContent>
-      <mc:AlternateContent xmlns:mc="http://schemas.openxmlformats.org/markup-compatibility/2006">
-        <mc:Choice xmlns:a14="http://schemas.microsoft.com/office/drawing/2010/main" Requires="a14">
+      <mc:AlternateContent xmlns:mc="http://schemas.openxmlformats.org/markup-compatibility/2006" xmlns:a14="http://schemas.microsoft.com/office/drawing/2010/main">
+        <mc:Choice Requires="a14">
           <p:sp>
             <p:nvSpPr>
               <p:cNvPr id="64" name="TextBox 63">
@@ -23585,6 +23596,7 @@
               </a:bodyPr>
               <a:lstStyle/>
               <a:p>
+                <a:pPr/>
                 <a14:m>
                   <m:oMathPara xmlns:m="http://schemas.openxmlformats.org/officeDocument/2006/math">
                     <m:oMathParaPr>
@@ -23956,7 +23968,7 @@
             </p:txBody>
           </p:sp>
         </mc:Choice>
-        <mc:Fallback>
+        <mc:Fallback xmlns="">
           <p:sp>
             <p:nvSpPr>
               <p:cNvPr id="64" name="TextBox 63">
@@ -24112,8 +24124,8 @@
               </a:p>
             </p:txBody>
           </p:sp>
-          <mc:AlternateContent xmlns:mc="http://schemas.openxmlformats.org/markup-compatibility/2006">
-            <mc:Choice xmlns:a14="http://schemas.microsoft.com/office/drawing/2010/main" Requires="a14">
+          <mc:AlternateContent xmlns:mc="http://schemas.openxmlformats.org/markup-compatibility/2006" xmlns:a14="http://schemas.microsoft.com/office/drawing/2010/main">
+            <mc:Choice Requires="a14">
               <p:sp>
                 <p:nvSpPr>
                   <p:cNvPr id="87" name="TextBox 86">
@@ -24219,7 +24231,7 @@
                 </p:txBody>
               </p:sp>
             </mc:Choice>
-            <mc:Fallback>
+            <mc:Fallback xmlns="">
               <p:sp>
                 <p:nvSpPr>
                   <p:cNvPr id="87" name="TextBox 86">
@@ -24264,8 +24276,8 @@
               </p:sp>
             </mc:Fallback>
           </mc:AlternateContent>
-          <mc:AlternateContent xmlns:mc="http://schemas.openxmlformats.org/markup-compatibility/2006">
-            <mc:Choice xmlns:a14="http://schemas.microsoft.com/office/drawing/2010/main" Requires="a14">
+          <mc:AlternateContent xmlns:mc="http://schemas.openxmlformats.org/markup-compatibility/2006" xmlns:a14="http://schemas.microsoft.com/office/drawing/2010/main">
+            <mc:Choice Requires="a14">
               <p:sp>
                 <p:nvSpPr>
                   <p:cNvPr id="88" name="TextBox 87">
@@ -24371,7 +24383,7 @@
                 </p:txBody>
               </p:sp>
             </mc:Choice>
-            <mc:Fallback>
+            <mc:Fallback xmlns="">
               <p:sp>
                 <p:nvSpPr>
                   <p:cNvPr id="88" name="TextBox 87">
@@ -24724,8 +24736,8 @@
               <a:chExt cx="1690879" cy="905029"/>
             </a:xfrm>
           </p:grpSpPr>
-          <mc:AlternateContent xmlns:mc="http://schemas.openxmlformats.org/markup-compatibility/2006">
-            <mc:Choice xmlns:a14="http://schemas.microsoft.com/office/drawing/2010/main" Requires="a14">
+          <mc:AlternateContent xmlns:mc="http://schemas.openxmlformats.org/markup-compatibility/2006" xmlns:a14="http://schemas.microsoft.com/office/drawing/2010/main">
+            <mc:Choice Requires="a14">
               <p:sp>
                 <p:nvSpPr>
                   <p:cNvPr id="75" name="TextBox 74">
@@ -24837,7 +24849,7 @@
                 </p:txBody>
               </p:sp>
             </mc:Choice>
-            <mc:Fallback>
+            <mc:Fallback xmlns="">
               <p:sp>
                 <p:nvSpPr>
                   <p:cNvPr id="75" name="TextBox 74">
@@ -24882,8 +24894,8 @@
               </p:sp>
             </mc:Fallback>
           </mc:AlternateContent>
-          <mc:AlternateContent xmlns:mc="http://schemas.openxmlformats.org/markup-compatibility/2006">
-            <mc:Choice xmlns:a14="http://schemas.microsoft.com/office/drawing/2010/main" Requires="a14">
+          <mc:AlternateContent xmlns:mc="http://schemas.openxmlformats.org/markup-compatibility/2006" xmlns:a14="http://schemas.microsoft.com/office/drawing/2010/main">
+            <mc:Choice Requires="a14">
               <p:sp>
                 <p:nvSpPr>
                   <p:cNvPr id="76" name="TextBox 75">
@@ -24976,7 +24988,7 @@
                 </p:txBody>
               </p:sp>
             </mc:Choice>
-            <mc:Fallback>
+            <mc:Fallback xmlns="">
               <p:sp>
                 <p:nvSpPr>
                   <p:cNvPr id="76" name="TextBox 75">
@@ -25182,8 +25194,8 @@
               <a:chExt cx="1092656" cy="1478688"/>
             </a:xfrm>
           </p:grpSpPr>
-          <mc:AlternateContent xmlns:mc="http://schemas.openxmlformats.org/markup-compatibility/2006">
-            <mc:Choice xmlns:a14="http://schemas.microsoft.com/office/drawing/2010/main" Requires="a14">
+          <mc:AlternateContent xmlns:mc="http://schemas.openxmlformats.org/markup-compatibility/2006" xmlns:a14="http://schemas.microsoft.com/office/drawing/2010/main">
+            <mc:Choice Requires="a14">
               <p:sp>
                 <p:nvSpPr>
                   <p:cNvPr id="69" name="Rectangle 68">
@@ -25244,7 +25256,7 @@
                 </p:txBody>
               </p:sp>
             </mc:Choice>
-            <mc:Fallback>
+            <mc:Fallback xmlns="">
               <p:sp>
                 <p:nvSpPr>
                   <p:cNvPr id="69" name="Rectangle 68">
@@ -25289,8 +25301,8 @@
               </p:sp>
             </mc:Fallback>
           </mc:AlternateContent>
-          <mc:AlternateContent xmlns:mc="http://schemas.openxmlformats.org/markup-compatibility/2006">
-            <mc:Choice xmlns:a14="http://schemas.microsoft.com/office/drawing/2010/main" Requires="a14">
+          <mc:AlternateContent xmlns:mc="http://schemas.openxmlformats.org/markup-compatibility/2006" xmlns:a14="http://schemas.microsoft.com/office/drawing/2010/main">
+            <mc:Choice Requires="a14">
               <p:sp>
                 <p:nvSpPr>
                   <p:cNvPr id="70" name="Rectangle 69">
@@ -25351,7 +25363,7 @@
                 </p:txBody>
               </p:sp>
             </mc:Choice>
-            <mc:Fallback>
+            <mc:Fallback xmlns="">
               <p:sp>
                 <p:nvSpPr>
                   <p:cNvPr id="70" name="Rectangle 69">
@@ -25396,8 +25408,8 @@
               </p:sp>
             </mc:Fallback>
           </mc:AlternateContent>
-          <mc:AlternateContent xmlns:mc="http://schemas.openxmlformats.org/markup-compatibility/2006">
-            <mc:Choice xmlns:a14="http://schemas.microsoft.com/office/drawing/2010/main" Requires="a14">
+          <mc:AlternateContent xmlns:mc="http://schemas.openxmlformats.org/markup-compatibility/2006" xmlns:a14="http://schemas.microsoft.com/office/drawing/2010/main">
+            <mc:Choice Requires="a14">
               <p:sp>
                 <p:nvSpPr>
                   <p:cNvPr id="71" name="Rectangle 70">
@@ -25458,7 +25470,7 @@
                 </p:txBody>
               </p:sp>
             </mc:Choice>
-            <mc:Fallback>
+            <mc:Fallback xmlns="">
               <p:sp>
                 <p:nvSpPr>
                   <p:cNvPr id="71" name="Rectangle 70">
@@ -25503,8 +25515,8 @@
               </p:sp>
             </mc:Fallback>
           </mc:AlternateContent>
-          <mc:AlternateContent xmlns:mc="http://schemas.openxmlformats.org/markup-compatibility/2006">
-            <mc:Choice xmlns:a14="http://schemas.microsoft.com/office/drawing/2010/main" Requires="a14">
+          <mc:AlternateContent xmlns:mc="http://schemas.openxmlformats.org/markup-compatibility/2006" xmlns:a14="http://schemas.microsoft.com/office/drawing/2010/main">
+            <mc:Choice Requires="a14">
               <p:sp>
                 <p:nvSpPr>
                   <p:cNvPr id="72" name="Rectangle 71">
@@ -25565,7 +25577,7 @@
                 </p:txBody>
               </p:sp>
             </mc:Choice>
-            <mc:Fallback>
+            <mc:Fallback xmlns="">
               <p:sp>
                 <p:nvSpPr>
                   <p:cNvPr id="72" name="Rectangle 71">
@@ -25681,8 +25693,8 @@
             </p:txBody>
           </p:sp>
         </p:grpSp>
-        <mc:AlternateContent xmlns:mc="http://schemas.openxmlformats.org/markup-compatibility/2006">
-          <mc:Choice xmlns:a14="http://schemas.microsoft.com/office/drawing/2010/main" Requires="a14">
+        <mc:AlternateContent xmlns:mc="http://schemas.openxmlformats.org/markup-compatibility/2006" xmlns:a14="http://schemas.microsoft.com/office/drawing/2010/main">
+          <mc:Choice Requires="a14">
             <p:sp>
               <p:nvSpPr>
                 <p:cNvPr id="65" name="TextBox 64">
@@ -25732,7 +25744,7 @@
               </p:txBody>
             </p:sp>
           </mc:Choice>
-          <mc:Fallback>
+          <mc:Fallback xmlns="">
             <p:sp>
               <p:nvSpPr>
                 <p:cNvPr id="65" name="TextBox 64">
@@ -25777,8 +25789,8 @@
             </p:sp>
           </mc:Fallback>
         </mc:AlternateContent>
-        <mc:AlternateContent xmlns:mc="http://schemas.openxmlformats.org/markup-compatibility/2006">
-          <mc:Choice xmlns:a14="http://schemas.microsoft.com/office/drawing/2010/main" Requires="a14">
+        <mc:AlternateContent xmlns:mc="http://schemas.openxmlformats.org/markup-compatibility/2006" xmlns:a14="http://schemas.microsoft.com/office/drawing/2010/main">
+          <mc:Choice Requires="a14">
             <p:sp>
               <p:nvSpPr>
                 <p:cNvPr id="66" name="TextBox 65">
@@ -25828,7 +25840,7 @@
               </p:txBody>
             </p:sp>
           </mc:Choice>
-          <mc:Fallback>
+          <mc:Fallback xmlns="">
             <p:sp>
               <p:nvSpPr>
                 <p:cNvPr id="66" name="TextBox 65">
@@ -26036,8 +26048,8 @@
             </a:p>
           </p:txBody>
         </p:sp>
-        <mc:AlternateContent xmlns:mc="http://schemas.openxmlformats.org/markup-compatibility/2006">
-          <mc:Choice xmlns:a14="http://schemas.microsoft.com/office/drawing/2010/main" Requires="a14">
+        <mc:AlternateContent xmlns:mc="http://schemas.openxmlformats.org/markup-compatibility/2006" xmlns:a14="http://schemas.microsoft.com/office/drawing/2010/main">
+          <mc:Choice Requires="a14">
             <p:sp>
               <p:nvSpPr>
                 <p:cNvPr id="143" name="TextBox 142">
@@ -26143,7 +26155,7 @@
               </p:txBody>
             </p:sp>
           </mc:Choice>
-          <mc:Fallback>
+          <mc:Fallback xmlns="">
             <p:sp>
               <p:nvSpPr>
                 <p:cNvPr id="143" name="TextBox 142">
@@ -26188,8 +26200,8 @@
             </p:sp>
           </mc:Fallback>
         </mc:AlternateContent>
-        <mc:AlternateContent xmlns:mc="http://schemas.openxmlformats.org/markup-compatibility/2006">
-          <mc:Choice xmlns:a14="http://schemas.microsoft.com/office/drawing/2010/main" Requires="a14">
+        <mc:AlternateContent xmlns:mc="http://schemas.openxmlformats.org/markup-compatibility/2006" xmlns:a14="http://schemas.microsoft.com/office/drawing/2010/main">
+          <mc:Choice Requires="a14">
             <p:sp>
               <p:nvSpPr>
                 <p:cNvPr id="144" name="TextBox 143">
@@ -26295,7 +26307,7 @@
               </p:txBody>
             </p:sp>
           </mc:Choice>
-          <mc:Fallback>
+          <mc:Fallback xmlns="">
             <p:sp>
               <p:nvSpPr>
                 <p:cNvPr id="144" name="TextBox 143">
@@ -26376,8 +26388,8 @@
           </p:txBody>
         </p:sp>
       </p:grpSp>
-      <mc:AlternateContent xmlns:mc="http://schemas.openxmlformats.org/markup-compatibility/2006">
-        <mc:Choice xmlns:a14="http://schemas.microsoft.com/office/drawing/2010/main" Requires="a14">
+      <mc:AlternateContent xmlns:mc="http://schemas.openxmlformats.org/markup-compatibility/2006" xmlns:a14="http://schemas.microsoft.com/office/drawing/2010/main">
+        <mc:Choice Requires="a14">
           <p:sp>
             <p:nvSpPr>
               <p:cNvPr id="154" name="TextBox 153">
@@ -26427,7 +26439,7 @@
             </p:txBody>
           </p:sp>
         </mc:Choice>
-        <mc:Fallback>
+        <mc:Fallback xmlns="">
           <p:sp>
             <p:nvSpPr>
               <p:cNvPr id="154" name="TextBox 153">
@@ -26472,8 +26484,8 @@
           </p:sp>
         </mc:Fallback>
       </mc:AlternateContent>
-      <mc:AlternateContent xmlns:mc="http://schemas.openxmlformats.org/markup-compatibility/2006">
-        <mc:Choice xmlns:a14="http://schemas.microsoft.com/office/drawing/2010/main" Requires="a14">
+      <mc:AlternateContent xmlns:mc="http://schemas.openxmlformats.org/markup-compatibility/2006" xmlns:a14="http://schemas.microsoft.com/office/drawing/2010/main">
+        <mc:Choice Requires="a14">
           <p:sp>
             <p:nvSpPr>
               <p:cNvPr id="155" name="TextBox 154">
@@ -26502,6 +26514,7 @@
               </a:bodyPr>
               <a:lstStyle/>
               <a:p>
+                <a:pPr/>
                 <a14:m>
                   <m:oMathPara xmlns:m="http://schemas.openxmlformats.org/officeDocument/2006/math">
                     <m:oMathParaPr>
@@ -26724,7 +26737,7 @@
             </p:txBody>
           </p:sp>
         </mc:Choice>
-        <mc:Fallback>
+        <mc:Fallback xmlns="">
           <p:sp>
             <p:nvSpPr>
               <p:cNvPr id="155" name="TextBox 154">
@@ -27649,8 +27662,8 @@
           </a:p>
         </p:txBody>
       </p:sp>
-      <mc:AlternateContent xmlns:mc="http://schemas.openxmlformats.org/markup-compatibility/2006">
-        <mc:Choice xmlns:a14="http://schemas.microsoft.com/office/drawing/2010/main" Requires="a14">
+      <mc:AlternateContent xmlns:mc="http://schemas.openxmlformats.org/markup-compatibility/2006" xmlns:a14="http://schemas.microsoft.com/office/drawing/2010/main">
+        <mc:Choice Requires="a14">
           <p:sp>
             <p:nvSpPr>
               <p:cNvPr id="3" name="Content Placeholder 2">
@@ -28530,7 +28543,7 @@
             </p:txBody>
           </p:sp>
         </mc:Choice>
-        <mc:Fallback>
+        <mc:Fallback xmlns="">
           <p:sp>
             <p:nvSpPr>
               <p:cNvPr id="3" name="Content Placeholder 2">
@@ -28668,8 +28681,8 @@
           </a:p>
         </p:txBody>
       </p:sp>
-      <mc:AlternateContent xmlns:mc="http://schemas.openxmlformats.org/markup-compatibility/2006">
-        <mc:Choice xmlns:a14="http://schemas.microsoft.com/office/drawing/2010/main" Requires="a14">
+      <mc:AlternateContent xmlns:mc="http://schemas.openxmlformats.org/markup-compatibility/2006" xmlns:a14="http://schemas.microsoft.com/office/drawing/2010/main">
+        <mc:Choice Requires="a14">
           <p:sp>
             <p:nvSpPr>
               <p:cNvPr id="3" name="Content Placeholder 2">
@@ -29626,7 +29639,7 @@
             </p:txBody>
           </p:sp>
         </mc:Choice>
-        <mc:Fallback>
+        <mc:Fallback xmlns="">
           <p:sp>
             <p:nvSpPr>
               <p:cNvPr id="3" name="Content Placeholder 2">
@@ -30566,31 +30579,6 @@
                         </a:rPr>
                         <m:t>=</m:t>
                       </m:r>
-                      <m:sSub>
-                        <m:sSubPr>
-                          <m:ctrlPr>
-                            <a:rPr lang="en-US" i="1">
-                              <a:latin typeface="Cambria Math" panose="02040503050406030204" pitchFamily="18" charset="0"/>
-                            </a:rPr>
-                          </m:ctrlPr>
-                        </m:sSubPr>
-                        <m:e>
-                          <m:r>
-                            <a:rPr lang="en-US" b="1" i="1">
-                              <a:latin typeface="Cambria Math" panose="02040503050406030204" pitchFamily="18" charset="0"/>
-                            </a:rPr>
-                            <m:t>𝒙</m:t>
-                          </m:r>
-                        </m:e>
-                        <m:sub>
-                          <m:r>
-                            <a:rPr lang="en-US" i="1">
-                              <a:latin typeface="Cambria Math" panose="02040503050406030204" pitchFamily="18" charset="0"/>
-                            </a:rPr>
-                            <m:t>0</m:t>
-                          </m:r>
-                        </m:sub>
-                      </m:sSub>
                       <m:sSup>
                         <m:sSupPr>
                           <m:ctrlPr>
@@ -30622,6 +30610,31 @@
                           </m:r>
                         </m:sup>
                       </m:sSup>
+                      <m:sSub>
+                        <m:sSubPr>
+                          <m:ctrlPr>
+                            <a:rPr lang="en-US" b="0" i="1" smtClean="0">
+                              <a:latin typeface="Cambria Math" panose="02040503050406030204" pitchFamily="18" charset="0"/>
+                            </a:rPr>
+                          </m:ctrlPr>
+                        </m:sSubPr>
+                        <m:e>
+                          <m:r>
+                            <a:rPr lang="en-US" b="1" i="1" smtClean="0">
+                              <a:latin typeface="Cambria Math" panose="02040503050406030204" pitchFamily="18" charset="0"/>
+                            </a:rPr>
+                            <m:t>𝒙</m:t>
+                          </m:r>
+                        </m:e>
+                        <m:sub>
+                          <m:r>
+                            <a:rPr lang="en-US" b="0" i="1" smtClean="0">
+                              <a:latin typeface="Cambria Math" panose="02040503050406030204" pitchFamily="18" charset="0"/>
+                            </a:rPr>
+                            <m:t>0</m:t>
+                          </m:r>
+                        </m:sub>
+                      </m:sSub>
                     </m:oMath>
                   </m:oMathPara>
                 </a14:m>
@@ -31421,10 +31434,22 @@
                           </m:sSup>
                         </m:e>
                       </m:nary>
+                      <m:r>
+                        <a:rPr lang="en-US" sz="2000" b="0" i="1" smtClean="0">
+                          <a:latin typeface="Cambria Math" panose="02040503050406030204" pitchFamily="18" charset="0"/>
+                        </a:rPr>
+                        <m:t>=</m:t>
+                      </m:r>
+                      <m:r>
+                        <a:rPr lang="en-US" sz="2000" b="1" i="1" smtClean="0">
+                          <a:latin typeface="Cambria Math" panose="02040503050406030204" pitchFamily="18" charset="0"/>
+                        </a:rPr>
+                        <m:t>𝑼𝑬𝒄</m:t>
+                      </m:r>
                     </m:oMath>
                   </m:oMathPara>
                 </a14:m>
-                <a:endParaRPr lang="en-US" sz="2000" dirty="0"/>
+                <a:endParaRPr lang="en-US" sz="2000" b="1" dirty="0"/>
               </a:p>
               <a:p>
                 <a:pPr lvl="1"/>
@@ -31489,6 +31514,328 @@
                       </a:rPr>
                       <m:t>=</m:t>
                     </m:r>
+                    <m:d>
+                      <m:dPr>
+                        <m:begChr m:val="["/>
+                        <m:endChr m:val="]"/>
+                        <m:ctrlPr>
+                          <a:rPr lang="en-US" sz="1800" i="1">
+                            <a:latin typeface="Cambria Math" panose="02040503050406030204" pitchFamily="18" charset="0"/>
+                          </a:rPr>
+                        </m:ctrlPr>
+                      </m:dPr>
+                      <m:e>
+                        <m:sSub>
+                          <m:sSubPr>
+                            <m:ctrlPr>
+                              <a:rPr lang="en-US" sz="1800" i="1">
+                                <a:latin typeface="Cambria Math" panose="02040503050406030204" pitchFamily="18" charset="0"/>
+                              </a:rPr>
+                            </m:ctrlPr>
+                          </m:sSubPr>
+                          <m:e>
+                            <m:r>
+                              <a:rPr lang="en-US" sz="1800" b="1" i="1">
+                                <a:latin typeface="Cambria Math" panose="02040503050406030204" pitchFamily="18" charset="0"/>
+                              </a:rPr>
+                              <m:t>𝒖</m:t>
+                            </m:r>
+                          </m:e>
+                          <m:sub>
+                            <m:r>
+                              <a:rPr lang="en-US" sz="1800" i="1">
+                                <a:latin typeface="Cambria Math" panose="02040503050406030204" pitchFamily="18" charset="0"/>
+                              </a:rPr>
+                              <m:t>1</m:t>
+                            </m:r>
+                          </m:sub>
+                        </m:sSub>
+                        <m:r>
+                          <a:rPr lang="en-US" sz="1800" i="1">
+                            <a:latin typeface="Cambria Math" panose="02040503050406030204" pitchFamily="18" charset="0"/>
+                          </a:rPr>
+                          <m:t>,⋯,</m:t>
+                        </m:r>
+                        <m:sSub>
+                          <m:sSubPr>
+                            <m:ctrlPr>
+                              <a:rPr lang="en-US" sz="1800" i="1">
+                                <a:latin typeface="Cambria Math" panose="02040503050406030204" pitchFamily="18" charset="0"/>
+                              </a:rPr>
+                            </m:ctrlPr>
+                          </m:sSubPr>
+                          <m:e>
+                            <m:r>
+                              <a:rPr lang="en-US" sz="1800" b="1" i="1">
+                                <a:latin typeface="Cambria Math" panose="02040503050406030204" pitchFamily="18" charset="0"/>
+                              </a:rPr>
+                              <m:t>𝒖</m:t>
+                            </m:r>
+                          </m:e>
+                          <m:sub>
+                            <m:r>
+                              <a:rPr lang="en-US" sz="1800" i="1">
+                                <a:latin typeface="Cambria Math" panose="02040503050406030204" pitchFamily="18" charset="0"/>
+                              </a:rPr>
+                              <m:t>𝑁</m:t>
+                            </m:r>
+                          </m:sub>
+                        </m:sSub>
+                      </m:e>
+                    </m:d>
+                  </m:oMath>
+                </a14:m>
+                <a:endParaRPr lang="en-US" sz="1800" b="1" dirty="0"/>
+              </a:p>
+              <a:p>
+                <a:pPr lvl="1"/>
+                <a14:m>
+                  <m:oMath xmlns:m="http://schemas.openxmlformats.org/officeDocument/2006/math">
+                    <m:r>
+                      <a:rPr lang="en-US" sz="1800" b="1" i="1">
+                        <a:latin typeface="Cambria Math" panose="02040503050406030204" pitchFamily="18" charset="0"/>
+                      </a:rPr>
+                      <m:t>𝑬</m:t>
+                    </m:r>
+                  </m:oMath>
+                </a14:m>
+                <a:r>
+                  <a:rPr lang="en-US" sz="1800" dirty="0"/>
+                  <a:t> is </a:t>
+                </a:r>
+                <a14:m>
+                  <m:oMath xmlns:m="http://schemas.openxmlformats.org/officeDocument/2006/math">
+                    <m:r>
+                      <a:rPr lang="en-US" sz="1800" b="0" i="1" smtClean="0">
+                        <a:latin typeface="Cambria Math" panose="02040503050406030204" pitchFamily="18" charset="0"/>
+                      </a:rPr>
+                      <m:t>𝑁</m:t>
+                    </m:r>
+                    <m:r>
+                      <a:rPr lang="en-US" sz="1800" b="0" i="1" smtClean="0">
+                        <a:latin typeface="Cambria Math" panose="02040503050406030204" pitchFamily="18" charset="0"/>
+                      </a:rPr>
+                      <m:t>×</m:t>
+                    </m:r>
+                    <m:r>
+                      <a:rPr lang="en-US" sz="1800" b="0" i="1" smtClean="0">
+                        <a:latin typeface="Cambria Math" panose="02040503050406030204" pitchFamily="18" charset="0"/>
+                      </a:rPr>
+                      <m:t>𝑁</m:t>
+                    </m:r>
+                  </m:oMath>
+                </a14:m>
+                <a:r>
+                  <a:rPr lang="en-US" sz="1800" dirty="0"/>
+                  <a:t>, </a:t>
+                </a:r>
+                <a14:m>
+                  <m:oMath xmlns:m="http://schemas.openxmlformats.org/officeDocument/2006/math">
+                    <m:sSub>
+                      <m:sSubPr>
+                        <m:ctrlPr>
+                          <a:rPr lang="en-US" sz="1800" b="0" i="1" smtClean="0">
+                            <a:latin typeface="Cambria Math" panose="02040503050406030204" pitchFamily="18" charset="0"/>
+                          </a:rPr>
+                        </m:ctrlPr>
+                      </m:sSubPr>
+                      <m:e>
+                        <m:r>
+                          <a:rPr lang="en-US" sz="1800" b="0" i="1" smtClean="0">
+                            <a:latin typeface="Cambria Math" panose="02040503050406030204" pitchFamily="18" charset="0"/>
+                          </a:rPr>
+                          <m:t>𝑒</m:t>
+                        </m:r>
+                      </m:e>
+                      <m:sub>
+                        <m:r>
+                          <a:rPr lang="en-US" sz="1800" b="0" i="1" smtClean="0">
+                            <a:latin typeface="Cambria Math" panose="02040503050406030204" pitchFamily="18" charset="0"/>
+                          </a:rPr>
+                          <m:t>𝑛𝑛</m:t>
+                        </m:r>
+                      </m:sub>
+                    </m:sSub>
+                    <m:r>
+                      <a:rPr lang="en-US" sz="1800" b="0" i="1" smtClean="0">
+                        <a:latin typeface="Cambria Math" panose="02040503050406030204" pitchFamily="18" charset="0"/>
+                      </a:rPr>
+                      <m:t>=</m:t>
+                    </m:r>
+                    <m:sSup>
+                      <m:sSupPr>
+                        <m:ctrlPr>
+                          <a:rPr lang="en-US" sz="1800" i="1">
+                            <a:latin typeface="Cambria Math" panose="02040503050406030204" pitchFamily="18" charset="0"/>
+                          </a:rPr>
+                        </m:ctrlPr>
+                      </m:sSupPr>
+                      <m:e>
+                        <m:r>
+                          <a:rPr lang="en-US" sz="1800" i="1">
+                            <a:latin typeface="Cambria Math" panose="02040503050406030204" pitchFamily="18" charset="0"/>
+                          </a:rPr>
+                          <m:t>𝑒</m:t>
+                        </m:r>
+                      </m:e>
+                      <m:sup>
+                        <m:sSub>
+                          <m:sSubPr>
+                            <m:ctrlPr>
+                              <a:rPr lang="en-US" sz="1800" i="1">
+                                <a:latin typeface="Cambria Math" panose="02040503050406030204" pitchFamily="18" charset="0"/>
+                              </a:rPr>
+                            </m:ctrlPr>
+                          </m:sSubPr>
+                          <m:e>
+                            <m:r>
+                              <a:rPr lang="en-US" sz="1800" i="1">
+                                <a:latin typeface="Cambria Math" panose="02040503050406030204" pitchFamily="18" charset="0"/>
+                              </a:rPr>
+                              <m:t>𝜆</m:t>
+                            </m:r>
+                          </m:e>
+                          <m:sub>
+                            <m:r>
+                              <a:rPr lang="en-US" sz="1800" i="1">
+                                <a:latin typeface="Cambria Math" panose="02040503050406030204" pitchFamily="18" charset="0"/>
+                              </a:rPr>
+                              <m:t>𝑛</m:t>
+                            </m:r>
+                          </m:sub>
+                        </m:sSub>
+                        <m:r>
+                          <a:rPr lang="en-US" sz="1800" i="1">
+                            <a:latin typeface="Cambria Math" panose="02040503050406030204" pitchFamily="18" charset="0"/>
+                          </a:rPr>
+                          <m:t>𝑡</m:t>
+                        </m:r>
+                      </m:sup>
+                    </m:sSup>
+                  </m:oMath>
+                </a14:m>
+                <a:endParaRPr lang="en-US" sz="1800" dirty="0"/>
+              </a:p>
+              <a:p>
+                <a:pPr lvl="1"/>
+                <a14:m>
+                  <m:oMath xmlns:m="http://schemas.openxmlformats.org/officeDocument/2006/math">
+                    <m:r>
+                      <a:rPr lang="en-US" sz="1800" b="1" i="1" smtClean="0">
+                        <a:latin typeface="Cambria Math" panose="02040503050406030204" pitchFamily="18" charset="0"/>
+                      </a:rPr>
+                      <m:t>𝒄</m:t>
+                    </m:r>
+                    <m:r>
+                      <a:rPr lang="en-US" sz="1800" b="1" i="1" smtClean="0">
+                        <a:latin typeface="Cambria Math" panose="02040503050406030204" pitchFamily="18" charset="0"/>
+                      </a:rPr>
+                      <m:t>,  </m:t>
+                    </m:r>
+                    <m:r>
+                      <a:rPr lang="en-US" sz="1800" b="1" i="1" smtClean="0">
+                        <a:latin typeface="Cambria Math" panose="02040503050406030204" pitchFamily="18" charset="0"/>
+                      </a:rPr>
+                      <m:t>𝑵</m:t>
+                    </m:r>
+                    <m:r>
+                      <a:rPr lang="en-US" sz="1800" b="1" i="1" smtClean="0">
+                        <a:latin typeface="Cambria Math" panose="02040503050406030204" pitchFamily="18" charset="0"/>
+                      </a:rPr>
+                      <m:t>×</m:t>
+                    </m:r>
+                    <m:r>
+                      <a:rPr lang="en-US" sz="1800" b="0" i="1" smtClean="0">
+                        <a:latin typeface="Cambria Math" panose="02040503050406030204" pitchFamily="18" charset="0"/>
+                      </a:rPr>
+                      <m:t>1</m:t>
+                    </m:r>
+                    <m:r>
+                      <a:rPr lang="en-US" sz="1800" b="1" i="1" smtClean="0">
+                        <a:latin typeface="Cambria Math" panose="02040503050406030204" pitchFamily="18" charset="0"/>
+                      </a:rPr>
+                      <m:t>, </m:t>
+                    </m:r>
+                    <m:r>
+                      <a:rPr lang="en-US" sz="1800" b="1" i="1" smtClean="0">
+                        <a:latin typeface="Cambria Math" panose="02040503050406030204" pitchFamily="18" charset="0"/>
+                      </a:rPr>
+                      <m:t>𝒄</m:t>
+                    </m:r>
+                    <m:r>
+                      <a:rPr lang="en-US" sz="1800" b="0" i="1" smtClean="0">
+                        <a:latin typeface="Cambria Math" panose="02040503050406030204" pitchFamily="18" charset="0"/>
+                      </a:rPr>
+                      <m:t>=</m:t>
+                    </m:r>
+                    <m:sSup>
+                      <m:sSupPr>
+                        <m:ctrlPr>
+                          <a:rPr lang="en-US" sz="1800" b="0" i="1" smtClean="0">
+                            <a:latin typeface="Cambria Math" panose="02040503050406030204" pitchFamily="18" charset="0"/>
+                          </a:rPr>
+                        </m:ctrlPr>
+                      </m:sSupPr>
+                      <m:e>
+                        <m:r>
+                          <a:rPr lang="en-US" sz="1800" b="1" i="1" smtClean="0">
+                            <a:latin typeface="Cambria Math" panose="02040503050406030204" pitchFamily="18" charset="0"/>
+                          </a:rPr>
+                          <m:t>𝑼</m:t>
+                        </m:r>
+                      </m:e>
+                      <m:sup>
+                        <m:r>
+                          <a:rPr lang="en-US" sz="1800" b="0" i="1" smtClean="0">
+                            <a:latin typeface="Cambria Math" panose="02040503050406030204" pitchFamily="18" charset="0"/>
+                          </a:rPr>
+                          <m:t>−1</m:t>
+                        </m:r>
+                      </m:sup>
+                    </m:sSup>
+                    <m:sSub>
+                      <m:sSubPr>
+                        <m:ctrlPr>
+                          <a:rPr lang="en-US" sz="1800" b="0" i="1" smtClean="0">
+                            <a:latin typeface="Cambria Math" panose="02040503050406030204" pitchFamily="18" charset="0"/>
+                          </a:rPr>
+                        </m:ctrlPr>
+                      </m:sSubPr>
+                      <m:e>
+                        <m:r>
+                          <a:rPr lang="en-US" sz="1800" b="1" i="1" smtClean="0">
+                            <a:latin typeface="Cambria Math" panose="02040503050406030204" pitchFamily="18" charset="0"/>
+                          </a:rPr>
+                          <m:t>𝒙</m:t>
+                        </m:r>
+                      </m:e>
+                      <m:sub>
+                        <m:r>
+                          <a:rPr lang="en-US" sz="1800" b="0" i="1" smtClean="0">
+                            <a:latin typeface="Cambria Math" panose="02040503050406030204" pitchFamily="18" charset="0"/>
+                          </a:rPr>
+                          <m:t>0</m:t>
+                        </m:r>
+                      </m:sub>
+                    </m:sSub>
+                    <m:r>
+                      <a:rPr lang="en-US" sz="1800" b="0" i="0" smtClean="0">
+                        <a:latin typeface="Cambria Math" panose="02040503050406030204" pitchFamily="18" charset="0"/>
+                      </a:rPr>
+                      <m:t>, </m:t>
+                    </m:r>
+                    <m:r>
+                      <a:rPr lang="en-US" sz="1800" b="1" i="0" smtClean="0">
+                        <a:latin typeface="Cambria Math" panose="02040503050406030204" pitchFamily="18" charset="0"/>
+                      </a:rPr>
+                      <m:t>𝐜</m:t>
+                    </m:r>
+                    <m:r>
+                      <a:rPr lang="en-US" sz="1800" b="0" i="0" smtClean="0">
+                        <a:latin typeface="Cambria Math" panose="02040503050406030204" pitchFamily="18" charset="0"/>
+                      </a:rPr>
+                      <m:t>=</m:t>
+                    </m:r>
                     <m:sSup>
                       <m:sSupPr>
                         <m:ctrlPr>
@@ -31513,185 +31860,6 @@
                               <m:sSubPr>
                                 <m:ctrlPr>
                                   <a:rPr lang="en-US" sz="1800" b="0" i="1" smtClean="0">
-                                    <a:latin typeface="Cambria Math" panose="02040503050406030204" pitchFamily="18" charset="0"/>
-                                  </a:rPr>
-                                </m:ctrlPr>
-                              </m:sSubPr>
-                              <m:e>
-                                <m:r>
-                                  <a:rPr lang="en-US" sz="1800" b="1" i="1" smtClean="0">
-                                    <a:latin typeface="Cambria Math" panose="02040503050406030204" pitchFamily="18" charset="0"/>
-                                  </a:rPr>
-                                  <m:t>𝒖</m:t>
-                                </m:r>
-                              </m:e>
-                              <m:sub>
-                                <m:r>
-                                  <a:rPr lang="en-US" sz="1800" b="0" i="1" smtClean="0">
-                                    <a:latin typeface="Cambria Math" panose="02040503050406030204" pitchFamily="18" charset="0"/>
-                                  </a:rPr>
-                                  <m:t>1</m:t>
-                                </m:r>
-                              </m:sub>
-                            </m:sSub>
-                            <m:r>
-                              <a:rPr lang="en-US" sz="1800" b="0" i="1" smtClean="0">
-                                <a:latin typeface="Cambria Math" panose="02040503050406030204" pitchFamily="18" charset="0"/>
-                              </a:rPr>
-                              <m:t>,⋯,</m:t>
-                            </m:r>
-                            <m:sSub>
-                              <m:sSubPr>
-                                <m:ctrlPr>
-                                  <a:rPr lang="en-US" sz="1800" b="0" i="1" smtClean="0">
-                                    <a:latin typeface="Cambria Math" panose="02040503050406030204" pitchFamily="18" charset="0"/>
-                                  </a:rPr>
-                                </m:ctrlPr>
-                              </m:sSubPr>
-                              <m:e>
-                                <m:r>
-                                  <a:rPr lang="en-US" sz="1800" b="1" i="1" smtClean="0">
-                                    <a:latin typeface="Cambria Math" panose="02040503050406030204" pitchFamily="18" charset="0"/>
-                                  </a:rPr>
-                                  <m:t>𝒖</m:t>
-                                </m:r>
-                              </m:e>
-                              <m:sub>
-                                <m:r>
-                                  <a:rPr lang="en-US" sz="1800" b="0" i="1" smtClean="0">
-                                    <a:latin typeface="Cambria Math" panose="02040503050406030204" pitchFamily="18" charset="0"/>
-                                  </a:rPr>
-                                  <m:t>𝑁</m:t>
-                                </m:r>
-                              </m:sub>
-                            </m:sSub>
-                          </m:e>
-                        </m:d>
-                      </m:e>
-                      <m:sup>
-                        <m:r>
-                          <a:rPr lang="en-US" sz="1800" b="0" i="1" smtClean="0">
-                            <a:latin typeface="Cambria Math" panose="02040503050406030204" pitchFamily="18" charset="0"/>
-                          </a:rPr>
-                          <m:t>𝑇</m:t>
-                        </m:r>
-                      </m:sup>
-                    </m:sSup>
-                  </m:oMath>
-                </a14:m>
-                <a:endParaRPr lang="en-US" sz="1800" b="1" dirty="0"/>
-              </a:p>
-              <a:p>
-                <a:pPr lvl="1"/>
-                <a14:m>
-                  <m:oMath xmlns:m="http://schemas.openxmlformats.org/officeDocument/2006/math">
-                    <m:r>
-                      <a:rPr lang="en-US" sz="1800" b="1" i="1" smtClean="0">
-                        <a:latin typeface="Cambria Math" panose="02040503050406030204" pitchFamily="18" charset="0"/>
-                      </a:rPr>
-                      <m:t>𝒄</m:t>
-                    </m:r>
-                    <m:r>
-                      <a:rPr lang="en-US" sz="1800" b="0" i="1" smtClean="0">
-                        <a:latin typeface="Cambria Math" panose="02040503050406030204" pitchFamily="18" charset="0"/>
-                      </a:rPr>
-                      <m:t>=</m:t>
-                    </m:r>
-                    <m:sSup>
-                      <m:sSupPr>
-                        <m:ctrlPr>
-                          <a:rPr lang="en-US" sz="1800" b="0" i="1" smtClean="0">
-                            <a:latin typeface="Cambria Math" panose="02040503050406030204" pitchFamily="18" charset="0"/>
-                          </a:rPr>
-                        </m:ctrlPr>
-                      </m:sSupPr>
-                      <m:e>
-                        <m:r>
-                          <a:rPr lang="en-US" sz="1800" b="1" i="1" smtClean="0">
-                            <a:latin typeface="Cambria Math" panose="02040503050406030204" pitchFamily="18" charset="0"/>
-                          </a:rPr>
-                          <m:t>𝑼</m:t>
-                        </m:r>
-                      </m:e>
-                      <m:sup>
-                        <m:r>
-                          <a:rPr lang="en-US" sz="1800" b="0" i="1" smtClean="0">
-                            <a:latin typeface="Cambria Math" panose="02040503050406030204" pitchFamily="18" charset="0"/>
-                          </a:rPr>
-                          <m:t>−1</m:t>
-                        </m:r>
-                      </m:sup>
-                    </m:sSup>
-                    <m:sSub>
-                      <m:sSubPr>
-                        <m:ctrlPr>
-                          <a:rPr lang="en-US" sz="1800" b="0" i="1" smtClean="0">
-                            <a:latin typeface="Cambria Math" panose="02040503050406030204" pitchFamily="18" charset="0"/>
-                          </a:rPr>
-                        </m:ctrlPr>
-                      </m:sSubPr>
-                      <m:e>
-                        <m:r>
-                          <a:rPr lang="en-US" sz="1800" b="1" i="1" smtClean="0">
-                            <a:latin typeface="Cambria Math" panose="02040503050406030204" pitchFamily="18" charset="0"/>
-                          </a:rPr>
-                          <m:t>𝒙</m:t>
-                        </m:r>
-                      </m:e>
-                      <m:sub>
-                        <m:r>
-                          <a:rPr lang="en-US" sz="1800" b="0" i="1" smtClean="0">
-                            <a:latin typeface="Cambria Math" panose="02040503050406030204" pitchFamily="18" charset="0"/>
-                          </a:rPr>
-                          <m:t>0</m:t>
-                        </m:r>
-                      </m:sub>
-                    </m:sSub>
-                    <m:r>
-                      <a:rPr lang="en-US" sz="1800" b="0" i="0" smtClean="0">
-                        <a:latin typeface="Cambria Math" panose="02040503050406030204" pitchFamily="18" charset="0"/>
-                      </a:rPr>
-                      <m:t>, </m:t>
-                    </m:r>
-                    <m:r>
-                      <m:rPr>
-                        <m:sty m:val="p"/>
-                      </m:rPr>
-                      <a:rPr lang="en-US" sz="1800" b="0" i="0" smtClean="0">
-                        <a:latin typeface="Cambria Math" panose="02040503050406030204" pitchFamily="18" charset="0"/>
-                      </a:rPr>
-                      <m:t>c</m:t>
-                    </m:r>
-                    <m:r>
-                      <a:rPr lang="en-US" sz="1800" b="0" i="0" smtClean="0">
-                        <a:latin typeface="Cambria Math" panose="02040503050406030204" pitchFamily="18" charset="0"/>
-                      </a:rPr>
-                      <m:t>=</m:t>
-                    </m:r>
-                    <m:sSup>
-                      <m:sSupPr>
-                        <m:ctrlPr>
-                          <a:rPr lang="en-US" sz="1800" b="0" i="1" smtClean="0">
-                            <a:latin typeface="Cambria Math" panose="02040503050406030204" pitchFamily="18" charset="0"/>
-                          </a:rPr>
-                        </m:ctrlPr>
-                      </m:sSupPr>
-                      <m:e>
-                        <m:d>
-                          <m:dPr>
-                            <m:begChr m:val="["/>
-                            <m:endChr m:val="]"/>
-                            <m:ctrlPr>
-                              <a:rPr lang="en-US" sz="1800" b="0" i="0" smtClean="0">
-                                <a:latin typeface="Cambria Math" panose="02040503050406030204" pitchFamily="18" charset="0"/>
-                              </a:rPr>
-                            </m:ctrlPr>
-                          </m:dPr>
-                          <m:e>
-                            <m:sSub>
-                              <m:sSubPr>
-                                <m:ctrlPr>
-                                  <a:rPr lang="en-US" sz="1800" b="0" i="0" smtClean="0">
                                     <a:latin typeface="Cambria Math" panose="02040503050406030204" pitchFamily="18" charset="0"/>
                                   </a:rPr>
                                 </m:ctrlPr>
@@ -32421,7 +32589,7 @@
               <a:blipFill>
                 <a:blip r:embed="rId3"/>
                 <a:stretch>
-                  <a:fillRect l="-926"/>
+                  <a:fillRect l="-926" b="-3417"/>
                 </a:stretch>
               </a:blipFill>
             </p:spPr>
@@ -32793,8 +32961,8 @@
           </a:fontRef>
         </p:style>
       </p:cxnSp>
-      <mc:AlternateContent xmlns:mc="http://schemas.openxmlformats.org/markup-compatibility/2006">
-        <mc:Choice xmlns:a14="http://schemas.microsoft.com/office/drawing/2010/main" Requires="a14">
+      <mc:AlternateContent xmlns:mc="http://schemas.openxmlformats.org/markup-compatibility/2006" xmlns:a14="http://schemas.microsoft.com/office/drawing/2010/main">
+        <mc:Choice Requires="a14">
           <p:sp>
             <p:nvSpPr>
               <p:cNvPr id="11" name="TextBox 10">
@@ -32823,6 +32991,7 @@
               </a:bodyPr>
               <a:lstStyle/>
               <a:p>
+                <a:pPr/>
                 <a14:m>
                   <m:oMathPara xmlns:m="http://schemas.openxmlformats.org/officeDocument/2006/math">
                     <m:oMathParaPr>
@@ -32893,7 +33062,7 @@
             </p:txBody>
           </p:sp>
         </mc:Choice>
-        <mc:Fallback>
+        <mc:Fallback xmlns="">
           <p:sp>
             <p:nvSpPr>
               <p:cNvPr id="11" name="TextBox 10">
@@ -32938,8 +33107,8 @@
           </p:sp>
         </mc:Fallback>
       </mc:AlternateContent>
-      <mc:AlternateContent xmlns:mc="http://schemas.openxmlformats.org/markup-compatibility/2006">
-        <mc:Choice xmlns:a14="http://schemas.microsoft.com/office/drawing/2010/main" Requires="a14">
+      <mc:AlternateContent xmlns:mc="http://schemas.openxmlformats.org/markup-compatibility/2006" xmlns:a14="http://schemas.microsoft.com/office/drawing/2010/main">
+        <mc:Choice Requires="a14">
           <p:sp>
             <p:nvSpPr>
               <p:cNvPr id="12" name="TextBox 11">
@@ -32968,6 +33137,7 @@
               </a:bodyPr>
               <a:lstStyle/>
               <a:p>
+                <a:pPr/>
                 <a14:m>
                   <m:oMathPara xmlns:m="http://schemas.openxmlformats.org/officeDocument/2006/math">
                     <m:oMathParaPr>
@@ -33038,7 +33208,7 @@
             </p:txBody>
           </p:sp>
         </mc:Choice>
-        <mc:Fallback>
+        <mc:Fallback xmlns="">
           <p:sp>
             <p:nvSpPr>
               <p:cNvPr id="12" name="TextBox 11">
@@ -33083,8 +33253,8 @@
           </p:sp>
         </mc:Fallback>
       </mc:AlternateContent>
-      <mc:AlternateContent xmlns:mc="http://schemas.openxmlformats.org/markup-compatibility/2006">
-        <mc:Choice xmlns:a14="http://schemas.microsoft.com/office/drawing/2010/main" Requires="a14">
+      <mc:AlternateContent xmlns:mc="http://schemas.openxmlformats.org/markup-compatibility/2006" xmlns:a14="http://schemas.microsoft.com/office/drawing/2010/main">
+        <mc:Choice Requires="a14">
           <p:sp>
             <p:nvSpPr>
               <p:cNvPr id="13" name="TextBox 12">
@@ -33113,6 +33283,7 @@
               </a:bodyPr>
               <a:lstStyle/>
               <a:p>
+                <a:pPr/>
                 <a14:m>
                   <m:oMathPara xmlns:m="http://schemas.openxmlformats.org/officeDocument/2006/math">
                     <m:oMathParaPr>
@@ -33193,6 +33364,7 @@
                 <a:endParaRPr lang="en-US" b="0" dirty="0"/>
               </a:p>
               <a:p>
+                <a:pPr/>
                 <a14:m>
                   <m:oMathPara xmlns:m="http://schemas.openxmlformats.org/officeDocument/2006/math">
                     <m:oMathParaPr>
@@ -33304,6 +33476,7 @@
                 <a:endParaRPr lang="en-US" b="0" dirty="0"/>
               </a:p>
               <a:p>
+                <a:pPr/>
                 <a14:m>
                   <m:oMathPara xmlns:m="http://schemas.openxmlformats.org/officeDocument/2006/math">
                     <m:oMathParaPr>
@@ -33393,6 +33566,7 @@
                 <a:endParaRPr lang="en-US" dirty="0"/>
               </a:p>
               <a:p>
+                <a:pPr/>
                 <a14:m>
                   <m:oMathPara xmlns:m="http://schemas.openxmlformats.org/officeDocument/2006/math">
                     <m:oMathParaPr>
@@ -33455,7 +33629,7 @@
             </p:txBody>
           </p:sp>
         </mc:Choice>
-        <mc:Fallback>
+        <mc:Fallback xmlns="">
           <p:sp>
             <p:nvSpPr>
               <p:cNvPr id="13" name="TextBox 12">
@@ -33660,8 +33834,8 @@
           </a:p>
         </p:txBody>
       </p:sp>
-      <mc:AlternateContent xmlns:mc="http://schemas.openxmlformats.org/markup-compatibility/2006">
-        <mc:Choice xmlns:a14="http://schemas.microsoft.com/office/drawing/2010/main" Requires="a14">
+      <mc:AlternateContent xmlns:mc="http://schemas.openxmlformats.org/markup-compatibility/2006" xmlns:a14="http://schemas.microsoft.com/office/drawing/2010/main">
+        <mc:Choice Requires="a14">
           <p:sp>
             <p:nvSpPr>
               <p:cNvPr id="24" name="Rectangle 23">
@@ -33689,6 +33863,7 @@
               </a:bodyPr>
               <a:lstStyle/>
               <a:p>
+                <a:pPr/>
                 <a14:m>
                   <m:oMathPara xmlns:m="http://schemas.openxmlformats.org/officeDocument/2006/math">
                     <m:oMathParaPr>
@@ -33860,7 +34035,7 @@
             </p:txBody>
           </p:sp>
         </mc:Choice>
-        <mc:Fallback>
+        <mc:Fallback xmlns="">
           <p:sp>
             <p:nvSpPr>
               <p:cNvPr id="24" name="Rectangle 23">
@@ -34346,8 +34521,8 @@
           </a:p>
         </p:txBody>
       </p:sp>
-      <mc:AlternateContent xmlns:mc="http://schemas.openxmlformats.org/markup-compatibility/2006">
-        <mc:Choice xmlns:a14="http://schemas.microsoft.com/office/drawing/2010/main" Requires="a14">
+      <mc:AlternateContent xmlns:mc="http://schemas.openxmlformats.org/markup-compatibility/2006" xmlns:a14="http://schemas.microsoft.com/office/drawing/2010/main">
+        <mc:Choice Requires="a14">
           <p:sp>
             <p:nvSpPr>
               <p:cNvPr id="3" name="Content Placeholder 2">
@@ -34445,13 +34620,7 @@
                       <a:rPr lang="en-US" b="0" i="1" dirty="0" smtClean="0">
                         <a:latin typeface="Cambria Math" panose="02040503050406030204" pitchFamily="18" charset="0"/>
                       </a:rPr>
-                      <m:t>,</m:t>
-                    </m:r>
-                    <m:r>
-                      <a:rPr lang="en-US" b="0" i="1" dirty="0" smtClean="0">
-                        <a:latin typeface="Cambria Math" panose="02040503050406030204" pitchFamily="18" charset="0"/>
-                      </a:rPr>
-                      <m:t>+</m:t>
+                      <m:t>,+</m:t>
                     </m:r>
                     <m:r>
                       <a:rPr lang="en-US" b="1" i="1" dirty="0" smtClean="0">
@@ -34480,13 +34649,7 @@
                       <a:rPr lang="en-US" b="0" i="1" dirty="0" smtClean="0">
                         <a:latin typeface="Cambria Math" panose="02040503050406030204" pitchFamily="18" charset="0"/>
                       </a:rPr>
-                      <m:t>,</m:t>
-                    </m:r>
-                    <m:r>
-                      <a:rPr lang="en-US" b="0" i="1" dirty="0" smtClean="0">
-                        <a:latin typeface="Cambria Math" panose="02040503050406030204" pitchFamily="18" charset="0"/>
-                      </a:rPr>
-                      <m:t> </m:t>
+                      <m:t>, </m:t>
                     </m:r>
                     <m:r>
                       <a:rPr lang="en-US" b="1" i="1" dirty="0" smtClean="0">
@@ -34803,7 +34966,7 @@
             </p:txBody>
           </p:sp>
         </mc:Choice>
-        <mc:Fallback>
+        <mc:Fallback xmlns="">
           <p:sp>
             <p:nvSpPr>
               <p:cNvPr id="3" name="Content Placeholder 2">
